--- a/documentation/pasometrics_ER_model.pptx
+++ b/documentation/pasometrics_ER_model.pptx
@@ -4,6 +4,9 @@
   <p:sldMasterIdLst>
     <p:sldMasterId id="2147483648" r:id="rId1"/>
   </p:sldMasterIdLst>
+  <p:notesMasterIdLst>
+    <p:notesMasterId r:id="rId3"/>
+  </p:notesMasterIdLst>
   <p:sldIdLst>
     <p:sldId id="256" r:id="rId2"/>
   </p:sldIdLst>
@@ -104,7 +107,446 @@
       </a:defRPr>
     </a:lvl9pPr>
   </p:defaultTextStyle>
+  <p:extLst>
+    <p:ext uri="{EFAFB233-063F-42B5-8137-9DF3F51BA10A}">
+      <p15:sldGuideLst xmlns:p15="http://schemas.microsoft.com/office/powerpoint/2012/main"/>
+    </p:ext>
+  </p:extLst>
 </p:presentation>
+</file>
+
+<file path=ppt/notesMasters/notesMaster1.xml><?xml version="1.0" encoding="utf-8"?>
+<p:notesMaster xmlns:a="http://schemas.openxmlformats.org/drawingml/2006/main" xmlns:r="http://schemas.openxmlformats.org/officeDocument/2006/relationships" xmlns:p="http://schemas.openxmlformats.org/presentationml/2006/main">
+  <p:cSld>
+    <p:bg>
+      <p:bgRef idx="1001">
+        <a:schemeClr val="bg1"/>
+      </p:bgRef>
+    </p:bg>
+    <p:spTree>
+      <p:nvGrpSpPr>
+        <p:cNvPr id="1" name=""/>
+        <p:cNvGrpSpPr/>
+        <p:nvPr/>
+      </p:nvGrpSpPr>
+      <p:grpSpPr>
+        <a:xfrm>
+          <a:off x="0" y="0"/>
+          <a:ext cx="0" cy="0"/>
+          <a:chOff x="0" y="0"/>
+          <a:chExt cx="0" cy="0"/>
+        </a:xfrm>
+      </p:grpSpPr>
+      <p:sp>
+        <p:nvSpPr>
+          <p:cNvPr id="2" name="Marcador de encabezado 1"/>
+          <p:cNvSpPr>
+            <a:spLocks noGrp="1"/>
+          </p:cNvSpPr>
+          <p:nvPr>
+            <p:ph type="hdr" sz="quarter"/>
+          </p:nvPr>
+        </p:nvSpPr>
+        <p:spPr>
+          <a:xfrm>
+            <a:off x="0" y="0"/>
+            <a:ext cx="2971800" cy="458788"/>
+          </a:xfrm>
+          <a:prstGeom prst="rect">
+            <a:avLst/>
+          </a:prstGeom>
+        </p:spPr>
+        <p:txBody>
+          <a:bodyPr vert="horz" lIns="91440" tIns="45720" rIns="91440" bIns="45720" rtlCol="0"/>
+          <a:lstStyle>
+            <a:lvl1pPr algn="l">
+              <a:defRPr sz="1200"/>
+            </a:lvl1pPr>
+          </a:lstStyle>
+          <a:p>
+            <a:endParaRPr lang="es-EC"/>
+          </a:p>
+        </p:txBody>
+      </p:sp>
+      <p:sp>
+        <p:nvSpPr>
+          <p:cNvPr id="3" name="Marcador de fecha 2"/>
+          <p:cNvSpPr>
+            <a:spLocks noGrp="1"/>
+          </p:cNvSpPr>
+          <p:nvPr>
+            <p:ph type="dt" idx="1"/>
+          </p:nvPr>
+        </p:nvSpPr>
+        <p:spPr>
+          <a:xfrm>
+            <a:off x="3884613" y="0"/>
+            <a:ext cx="2971800" cy="458788"/>
+          </a:xfrm>
+          <a:prstGeom prst="rect">
+            <a:avLst/>
+          </a:prstGeom>
+        </p:spPr>
+        <p:txBody>
+          <a:bodyPr vert="horz" lIns="91440" tIns="45720" rIns="91440" bIns="45720" rtlCol="0"/>
+          <a:lstStyle>
+            <a:lvl1pPr algn="r">
+              <a:defRPr sz="1200"/>
+            </a:lvl1pPr>
+          </a:lstStyle>
+          <a:p>
+            <a:fld id="{31B80572-E23C-4E7E-A156-839BE2381232}" type="datetimeFigureOut">
+              <a:rPr lang="es-EC" smtClean="0"/>
+              <a:t>5/5/2024</a:t>
+            </a:fld>
+            <a:endParaRPr lang="es-EC"/>
+          </a:p>
+        </p:txBody>
+      </p:sp>
+      <p:sp>
+        <p:nvSpPr>
+          <p:cNvPr id="4" name="Marcador de imagen de diapositiva 3"/>
+          <p:cNvSpPr>
+            <a:spLocks noGrp="1" noRot="1" noChangeAspect="1"/>
+          </p:cNvSpPr>
+          <p:nvPr>
+            <p:ph type="sldImg" idx="2"/>
+          </p:nvPr>
+        </p:nvSpPr>
+        <p:spPr>
+          <a:xfrm>
+            <a:off x="685800" y="1143000"/>
+            <a:ext cx="5486400" cy="3086100"/>
+          </a:xfrm>
+          <a:prstGeom prst="rect">
+            <a:avLst/>
+          </a:prstGeom>
+          <a:noFill/>
+          <a:ln w="12700">
+            <a:solidFill>
+              <a:prstClr val="black"/>
+            </a:solidFill>
+          </a:ln>
+        </p:spPr>
+        <p:txBody>
+          <a:bodyPr vert="horz" lIns="91440" tIns="45720" rIns="91440" bIns="45720" rtlCol="0" anchor="ctr"/>
+          <a:lstStyle/>
+          <a:p>
+            <a:endParaRPr lang="es-EC"/>
+          </a:p>
+        </p:txBody>
+      </p:sp>
+      <p:sp>
+        <p:nvSpPr>
+          <p:cNvPr id="5" name="Marcador de notas 4"/>
+          <p:cNvSpPr>
+            <a:spLocks noGrp="1"/>
+          </p:cNvSpPr>
+          <p:nvPr>
+            <p:ph type="body" sz="quarter" idx="3"/>
+          </p:nvPr>
+        </p:nvSpPr>
+        <p:spPr>
+          <a:xfrm>
+            <a:off x="685800" y="4400550"/>
+            <a:ext cx="5486400" cy="3600450"/>
+          </a:xfrm>
+          <a:prstGeom prst="rect">
+            <a:avLst/>
+          </a:prstGeom>
+        </p:spPr>
+        <p:txBody>
+          <a:bodyPr vert="horz" lIns="91440" tIns="45720" rIns="91440" bIns="45720" rtlCol="0"/>
+          <a:lstStyle/>
+          <a:p>
+            <a:pPr lvl="0"/>
+            <a:r>
+              <a:rPr lang="es-ES"/>
+              <a:t>Haga clic para modificar los estilos de texto del patrón</a:t>
+            </a:r>
+          </a:p>
+          <a:p>
+            <a:pPr lvl="1"/>
+            <a:r>
+              <a:rPr lang="es-ES"/>
+              <a:t>Segundo nivel</a:t>
+            </a:r>
+          </a:p>
+          <a:p>
+            <a:pPr lvl="2"/>
+            <a:r>
+              <a:rPr lang="es-ES"/>
+              <a:t>Tercer nivel</a:t>
+            </a:r>
+          </a:p>
+          <a:p>
+            <a:pPr lvl="3"/>
+            <a:r>
+              <a:rPr lang="es-ES"/>
+              <a:t>Cuarto nivel</a:t>
+            </a:r>
+          </a:p>
+          <a:p>
+            <a:pPr lvl="4"/>
+            <a:r>
+              <a:rPr lang="es-ES"/>
+              <a:t>Quinto nivel</a:t>
+            </a:r>
+            <a:endParaRPr lang="es-EC"/>
+          </a:p>
+        </p:txBody>
+      </p:sp>
+      <p:sp>
+        <p:nvSpPr>
+          <p:cNvPr id="6" name="Marcador de pie de página 5"/>
+          <p:cNvSpPr>
+            <a:spLocks noGrp="1"/>
+          </p:cNvSpPr>
+          <p:nvPr>
+            <p:ph type="ftr" sz="quarter" idx="4"/>
+          </p:nvPr>
+        </p:nvSpPr>
+        <p:spPr>
+          <a:xfrm>
+            <a:off x="0" y="8685213"/>
+            <a:ext cx="2971800" cy="458787"/>
+          </a:xfrm>
+          <a:prstGeom prst="rect">
+            <a:avLst/>
+          </a:prstGeom>
+        </p:spPr>
+        <p:txBody>
+          <a:bodyPr vert="horz" lIns="91440" tIns="45720" rIns="91440" bIns="45720" rtlCol="0" anchor="b"/>
+          <a:lstStyle>
+            <a:lvl1pPr algn="l">
+              <a:defRPr sz="1200"/>
+            </a:lvl1pPr>
+          </a:lstStyle>
+          <a:p>
+            <a:endParaRPr lang="es-EC"/>
+          </a:p>
+        </p:txBody>
+      </p:sp>
+      <p:sp>
+        <p:nvSpPr>
+          <p:cNvPr id="7" name="Marcador de número de diapositiva 6"/>
+          <p:cNvSpPr>
+            <a:spLocks noGrp="1"/>
+          </p:cNvSpPr>
+          <p:nvPr>
+            <p:ph type="sldNum" sz="quarter" idx="5"/>
+          </p:nvPr>
+        </p:nvSpPr>
+        <p:spPr>
+          <a:xfrm>
+            <a:off x="3884613" y="8685213"/>
+            <a:ext cx="2971800" cy="458787"/>
+          </a:xfrm>
+          <a:prstGeom prst="rect">
+            <a:avLst/>
+          </a:prstGeom>
+        </p:spPr>
+        <p:txBody>
+          <a:bodyPr vert="horz" lIns="91440" tIns="45720" rIns="91440" bIns="45720" rtlCol="0" anchor="b"/>
+          <a:lstStyle>
+            <a:lvl1pPr algn="r">
+              <a:defRPr sz="1200"/>
+            </a:lvl1pPr>
+          </a:lstStyle>
+          <a:p>
+            <a:fld id="{084D78B1-7A75-4BAC-AD01-2D8A6AB9BB48}" type="slidenum">
+              <a:rPr lang="es-EC" smtClean="0"/>
+              <a:t>‹Nº›</a:t>
+            </a:fld>
+            <a:endParaRPr lang="es-EC"/>
+          </a:p>
+        </p:txBody>
+      </p:sp>
+    </p:spTree>
+    <p:extLst>
+      <p:ext uri="{BB962C8B-B14F-4D97-AF65-F5344CB8AC3E}">
+        <p14:creationId xmlns:p14="http://schemas.microsoft.com/office/powerpoint/2010/main" val="2055930943"/>
+      </p:ext>
+    </p:extLst>
+  </p:cSld>
+  <p:clrMap bg1="lt1" tx1="dk1" bg2="lt2" tx2="dk2" accent1="accent1" accent2="accent2" accent3="accent3" accent4="accent4" accent5="accent5" accent6="accent6" hlink="hlink" folHlink="folHlink"/>
+  <p:notesStyle>
+    <a:lvl1pPr marL="0" algn="l" defTabSz="914400" rtl="0" eaLnBrk="1" latinLnBrk="0" hangingPunct="1">
+      <a:defRPr sz="1200" kern="1200">
+        <a:solidFill>
+          <a:schemeClr val="tx1"/>
+        </a:solidFill>
+        <a:latin typeface="+mn-lt"/>
+        <a:ea typeface="+mn-ea"/>
+        <a:cs typeface="+mn-cs"/>
+      </a:defRPr>
+    </a:lvl1pPr>
+    <a:lvl2pPr marL="457200" algn="l" defTabSz="914400" rtl="0" eaLnBrk="1" latinLnBrk="0" hangingPunct="1">
+      <a:defRPr sz="1200" kern="1200">
+        <a:solidFill>
+          <a:schemeClr val="tx1"/>
+        </a:solidFill>
+        <a:latin typeface="+mn-lt"/>
+        <a:ea typeface="+mn-ea"/>
+        <a:cs typeface="+mn-cs"/>
+      </a:defRPr>
+    </a:lvl2pPr>
+    <a:lvl3pPr marL="914400" algn="l" defTabSz="914400" rtl="0" eaLnBrk="1" latinLnBrk="0" hangingPunct="1">
+      <a:defRPr sz="1200" kern="1200">
+        <a:solidFill>
+          <a:schemeClr val="tx1"/>
+        </a:solidFill>
+        <a:latin typeface="+mn-lt"/>
+        <a:ea typeface="+mn-ea"/>
+        <a:cs typeface="+mn-cs"/>
+      </a:defRPr>
+    </a:lvl3pPr>
+    <a:lvl4pPr marL="1371600" algn="l" defTabSz="914400" rtl="0" eaLnBrk="1" latinLnBrk="0" hangingPunct="1">
+      <a:defRPr sz="1200" kern="1200">
+        <a:solidFill>
+          <a:schemeClr val="tx1"/>
+        </a:solidFill>
+        <a:latin typeface="+mn-lt"/>
+        <a:ea typeface="+mn-ea"/>
+        <a:cs typeface="+mn-cs"/>
+      </a:defRPr>
+    </a:lvl4pPr>
+    <a:lvl5pPr marL="1828800" algn="l" defTabSz="914400" rtl="0" eaLnBrk="1" latinLnBrk="0" hangingPunct="1">
+      <a:defRPr sz="1200" kern="1200">
+        <a:solidFill>
+          <a:schemeClr val="tx1"/>
+        </a:solidFill>
+        <a:latin typeface="+mn-lt"/>
+        <a:ea typeface="+mn-ea"/>
+        <a:cs typeface="+mn-cs"/>
+      </a:defRPr>
+    </a:lvl5pPr>
+    <a:lvl6pPr marL="2286000" algn="l" defTabSz="914400" rtl="0" eaLnBrk="1" latinLnBrk="0" hangingPunct="1">
+      <a:defRPr sz="1200" kern="1200">
+        <a:solidFill>
+          <a:schemeClr val="tx1"/>
+        </a:solidFill>
+        <a:latin typeface="+mn-lt"/>
+        <a:ea typeface="+mn-ea"/>
+        <a:cs typeface="+mn-cs"/>
+      </a:defRPr>
+    </a:lvl6pPr>
+    <a:lvl7pPr marL="2743200" algn="l" defTabSz="914400" rtl="0" eaLnBrk="1" latinLnBrk="0" hangingPunct="1">
+      <a:defRPr sz="1200" kern="1200">
+        <a:solidFill>
+          <a:schemeClr val="tx1"/>
+        </a:solidFill>
+        <a:latin typeface="+mn-lt"/>
+        <a:ea typeface="+mn-ea"/>
+        <a:cs typeface="+mn-cs"/>
+      </a:defRPr>
+    </a:lvl7pPr>
+    <a:lvl8pPr marL="3200400" algn="l" defTabSz="914400" rtl="0" eaLnBrk="1" latinLnBrk="0" hangingPunct="1">
+      <a:defRPr sz="1200" kern="1200">
+        <a:solidFill>
+          <a:schemeClr val="tx1"/>
+        </a:solidFill>
+        <a:latin typeface="+mn-lt"/>
+        <a:ea typeface="+mn-ea"/>
+        <a:cs typeface="+mn-cs"/>
+      </a:defRPr>
+    </a:lvl8pPr>
+    <a:lvl9pPr marL="3657600" algn="l" defTabSz="914400" rtl="0" eaLnBrk="1" latinLnBrk="0" hangingPunct="1">
+      <a:defRPr sz="1200" kern="1200">
+        <a:solidFill>
+          <a:schemeClr val="tx1"/>
+        </a:solidFill>
+        <a:latin typeface="+mn-lt"/>
+        <a:ea typeface="+mn-ea"/>
+        <a:cs typeface="+mn-cs"/>
+      </a:defRPr>
+    </a:lvl9pPr>
+  </p:notesStyle>
+</p:notesMaster>
+</file>
+
+<file path=ppt/notesSlides/notesSlide1.xml><?xml version="1.0" encoding="utf-8"?>
+<p:notes xmlns:a="http://schemas.openxmlformats.org/drawingml/2006/main" xmlns:r="http://schemas.openxmlformats.org/officeDocument/2006/relationships" xmlns:p="http://schemas.openxmlformats.org/presentationml/2006/main">
+  <p:cSld>
+    <p:spTree>
+      <p:nvGrpSpPr>
+        <p:cNvPr id="1" name=""/>
+        <p:cNvGrpSpPr/>
+        <p:nvPr/>
+      </p:nvGrpSpPr>
+      <p:grpSpPr>
+        <a:xfrm>
+          <a:off x="0" y="0"/>
+          <a:ext cx="0" cy="0"/>
+          <a:chOff x="0" y="0"/>
+          <a:chExt cx="0" cy="0"/>
+        </a:xfrm>
+      </p:grpSpPr>
+      <p:sp>
+        <p:nvSpPr>
+          <p:cNvPr id="2" name="Marcador de imagen de diapositiva 1"/>
+          <p:cNvSpPr>
+            <a:spLocks noGrp="1" noRot="1" noChangeAspect="1"/>
+          </p:cNvSpPr>
+          <p:nvPr>
+            <p:ph type="sldImg"/>
+          </p:nvPr>
+        </p:nvSpPr>
+        <p:spPr/>
+      </p:sp>
+      <p:sp>
+        <p:nvSpPr>
+          <p:cNvPr id="3" name="Marcador de notas 2"/>
+          <p:cNvSpPr>
+            <a:spLocks noGrp="1"/>
+          </p:cNvSpPr>
+          <p:nvPr>
+            <p:ph type="body" idx="1"/>
+          </p:nvPr>
+        </p:nvSpPr>
+        <p:spPr/>
+        <p:txBody>
+          <a:bodyPr/>
+          <a:lstStyle/>
+          <a:p>
+            <a:endParaRPr lang="es-EC" dirty="0"/>
+          </a:p>
+        </p:txBody>
+      </p:sp>
+      <p:sp>
+        <p:nvSpPr>
+          <p:cNvPr id="4" name="Marcador de número de diapositiva 3"/>
+          <p:cNvSpPr>
+            <a:spLocks noGrp="1"/>
+          </p:cNvSpPr>
+          <p:nvPr>
+            <p:ph type="sldNum" sz="quarter" idx="5"/>
+          </p:nvPr>
+        </p:nvSpPr>
+        <p:spPr/>
+        <p:txBody>
+          <a:bodyPr/>
+          <a:lstStyle/>
+          <a:p>
+            <a:fld id="{084D78B1-7A75-4BAC-AD01-2D8A6AB9BB48}" type="slidenum">
+              <a:rPr lang="es-EC" smtClean="0"/>
+              <a:t>1</a:t>
+            </a:fld>
+            <a:endParaRPr lang="es-EC"/>
+          </a:p>
+        </p:txBody>
+      </p:sp>
+    </p:spTree>
+    <p:extLst>
+      <p:ext uri="{BB962C8B-B14F-4D97-AF65-F5344CB8AC3E}">
+        <p14:creationId xmlns:p14="http://schemas.microsoft.com/office/powerpoint/2010/main" val="2674335407"/>
+      </p:ext>
+    </p:extLst>
+  </p:cSld>
+  <p:clrMapOvr>
+    <a:masterClrMapping/>
+  </p:clrMapOvr>
+</p:notes>
 </file>
 
 <file path=ppt/slideLayouts/slideLayout1.xml><?xml version="1.0" encoding="utf-8"?>
@@ -256,7 +698,7 @@
           <a:p>
             <a:fld id="{691818B4-765D-4B7F-BEC8-3CD6B3DCB16F}" type="datetimeFigureOut">
               <a:rPr lang="es-EC" smtClean="0"/>
-              <a:t>4/5/2024</a:t>
+              <a:t>5/5/2024</a:t>
             </a:fld>
             <a:endParaRPr lang="es-EC"/>
           </a:p>
@@ -456,7 +898,7 @@
           <a:p>
             <a:fld id="{691818B4-765D-4B7F-BEC8-3CD6B3DCB16F}" type="datetimeFigureOut">
               <a:rPr lang="es-EC" smtClean="0"/>
-              <a:t>4/5/2024</a:t>
+              <a:t>5/5/2024</a:t>
             </a:fld>
             <a:endParaRPr lang="es-EC"/>
           </a:p>
@@ -666,7 +1108,7 @@
           <a:p>
             <a:fld id="{691818B4-765D-4B7F-BEC8-3CD6B3DCB16F}" type="datetimeFigureOut">
               <a:rPr lang="es-EC" smtClean="0"/>
-              <a:t>4/5/2024</a:t>
+              <a:t>5/5/2024</a:t>
             </a:fld>
             <a:endParaRPr lang="es-EC"/>
           </a:p>
@@ -866,7 +1308,7 @@
           <a:p>
             <a:fld id="{691818B4-765D-4B7F-BEC8-3CD6B3DCB16F}" type="datetimeFigureOut">
               <a:rPr lang="es-EC" smtClean="0"/>
-              <a:t>4/5/2024</a:t>
+              <a:t>5/5/2024</a:t>
             </a:fld>
             <a:endParaRPr lang="es-EC"/>
           </a:p>
@@ -1142,7 +1584,7 @@
           <a:p>
             <a:fld id="{691818B4-765D-4B7F-BEC8-3CD6B3DCB16F}" type="datetimeFigureOut">
               <a:rPr lang="es-EC" smtClean="0"/>
-              <a:t>4/5/2024</a:t>
+              <a:t>5/5/2024</a:t>
             </a:fld>
             <a:endParaRPr lang="es-EC"/>
           </a:p>
@@ -1410,7 +1852,7 @@
           <a:p>
             <a:fld id="{691818B4-765D-4B7F-BEC8-3CD6B3DCB16F}" type="datetimeFigureOut">
               <a:rPr lang="es-EC" smtClean="0"/>
-              <a:t>4/5/2024</a:t>
+              <a:t>5/5/2024</a:t>
             </a:fld>
             <a:endParaRPr lang="es-EC"/>
           </a:p>
@@ -1825,7 +2267,7 @@
           <a:p>
             <a:fld id="{691818B4-765D-4B7F-BEC8-3CD6B3DCB16F}" type="datetimeFigureOut">
               <a:rPr lang="es-EC" smtClean="0"/>
-              <a:t>4/5/2024</a:t>
+              <a:t>5/5/2024</a:t>
             </a:fld>
             <a:endParaRPr lang="es-EC"/>
           </a:p>
@@ -1967,7 +2409,7 @@
           <a:p>
             <a:fld id="{691818B4-765D-4B7F-BEC8-3CD6B3DCB16F}" type="datetimeFigureOut">
               <a:rPr lang="es-EC" smtClean="0"/>
-              <a:t>4/5/2024</a:t>
+              <a:t>5/5/2024</a:t>
             </a:fld>
             <a:endParaRPr lang="es-EC"/>
           </a:p>
@@ -2080,7 +2522,7 @@
           <a:p>
             <a:fld id="{691818B4-765D-4B7F-BEC8-3CD6B3DCB16F}" type="datetimeFigureOut">
               <a:rPr lang="es-EC" smtClean="0"/>
-              <a:t>4/5/2024</a:t>
+              <a:t>5/5/2024</a:t>
             </a:fld>
             <a:endParaRPr lang="es-EC"/>
           </a:p>
@@ -2393,7 +2835,7 @@
           <a:p>
             <a:fld id="{691818B4-765D-4B7F-BEC8-3CD6B3DCB16F}" type="datetimeFigureOut">
               <a:rPr lang="es-EC" smtClean="0"/>
-              <a:t>4/5/2024</a:t>
+              <a:t>5/5/2024</a:t>
             </a:fld>
             <a:endParaRPr lang="es-EC"/>
           </a:p>
@@ -2682,7 +3124,7 @@
           <a:p>
             <a:fld id="{691818B4-765D-4B7F-BEC8-3CD6B3DCB16F}" type="datetimeFigureOut">
               <a:rPr lang="es-EC" smtClean="0"/>
-              <a:t>4/5/2024</a:t>
+              <a:t>5/5/2024</a:t>
             </a:fld>
             <a:endParaRPr lang="es-EC"/>
           </a:p>
@@ -2925,7 +3367,7 @@
           <a:p>
             <a:fld id="{691818B4-765D-4B7F-BEC8-3CD6B3DCB16F}" type="datetimeFigureOut">
               <a:rPr lang="es-EC" smtClean="0"/>
-              <a:t>4/5/2024</a:t>
+              <a:t>5/5/2024</a:t>
             </a:fld>
             <a:endParaRPr lang="es-EC"/>
           </a:p>
@@ -3356,7 +3798,7 @@
         </p:nvSpPr>
         <p:spPr>
           <a:xfrm>
-            <a:off x="-608189" y="-411480"/>
+            <a:off x="10015518" y="-776877"/>
             <a:ext cx="9981470" cy="10570124"/>
           </a:xfrm>
           <a:prstGeom prst="rect">
@@ -3411,13 +3853,13 @@
           <p:nvPr>
             <p:extLst>
               <p:ext uri="{D42A27DB-BD31-4B8C-83A1-F6EECF244321}">
-                <p14:modId xmlns:p14="http://schemas.microsoft.com/office/powerpoint/2010/main" val="2645111455"/>
+                <p14:modId xmlns:p14="http://schemas.microsoft.com/office/powerpoint/2010/main" val="4161753146"/>
               </p:ext>
             </p:extLst>
           </p:nvPr>
         </p:nvGraphicFramePr>
         <p:xfrm>
-          <a:off x="3659885" y="601406"/>
+          <a:off x="4967985" y="601406"/>
           <a:ext cx="1440000" cy="1411080"/>
         </p:xfrm>
         <a:graphic>
@@ -4140,14 +4582,14 @@
           <p:nvPr>
             <p:extLst>
               <p:ext uri="{D42A27DB-BD31-4B8C-83A1-F6EECF244321}">
-                <p14:modId xmlns:p14="http://schemas.microsoft.com/office/powerpoint/2010/main" val="1672852163"/>
+                <p14:modId xmlns:p14="http://schemas.microsoft.com/office/powerpoint/2010/main" val="2615178030"/>
               </p:ext>
             </p:extLst>
           </p:nvPr>
         </p:nvGraphicFramePr>
         <p:xfrm>
-          <a:off x="699541" y="146651"/>
-          <a:ext cx="1440000" cy="1123080"/>
+          <a:off x="2172741" y="-81949"/>
+          <a:ext cx="1440000" cy="1699080"/>
         </p:xfrm>
         <a:graphic>
           <a:graphicData uri="http://schemas.openxmlformats.org/drawingml/2006/table">
@@ -4390,7 +4832,7 @@
                           <a:latin typeface="Arial" panose="020B0604020202020204" pitchFamily="34" charset="0"/>
                           <a:cs typeface="Arial" panose="020B0604020202020204" pitchFamily="34" charset="0"/>
                         </a:rPr>
-                        <a:t>id</a:t>
+                        <a:t>Id</a:t>
                       </a:r>
                     </a:p>
                   </a:txBody>
@@ -4650,7 +5092,7 @@
                           <a:latin typeface="Arial" panose="020B0604020202020204" pitchFamily="34" charset="0"/>
                           <a:cs typeface="Arial" panose="020B0604020202020204" pitchFamily="34" charset="0"/>
                         </a:rPr>
-                        <a:t>age</a:t>
+                        <a:t>birthday</a:t>
                       </a:r>
                       <a:endParaRPr lang="es-EC" sz="1100" b="0" dirty="0">
                         <a:latin typeface="Arial" panose="020B0604020202020204" pitchFamily="34" charset="0"/>
@@ -4707,7 +5149,271 @@
                 </a:tc>
                 <a:extLst>
                   <a:ext uri="{0D108BD9-81ED-4DB2-BD59-A6C34878D82A}">
-                    <a16:rowId xmlns:a16="http://schemas.microsoft.com/office/drawing/2014/main" val="986168895"/>
+                    <a16:rowId xmlns:a16="http://schemas.microsoft.com/office/drawing/2014/main" val="1855162006"/>
+                  </a:ext>
+                </a:extLst>
+              </a:tr>
+              <a:tr h="288000">
+                <a:tc>
+                  <a:txBody>
+                    <a:bodyPr/>
+                    <a:lstStyle/>
+                    <a:p>
+                      <a:pPr algn="ctr"/>
+                      <a:endParaRPr lang="es-EC" sz="1100" b="0" dirty="0">
+                        <a:latin typeface="Arial" panose="020B0604020202020204" pitchFamily="34" charset="0"/>
+                        <a:cs typeface="Arial" panose="020B0604020202020204" pitchFamily="34" charset="0"/>
+                      </a:endParaRPr>
+                    </a:p>
+                  </a:txBody>
+                  <a:tcPr>
+                    <a:lnL w="6350" cap="flat" cmpd="sng" algn="ctr">
+                      <a:solidFill>
+                        <a:schemeClr val="tx1"/>
+                      </a:solidFill>
+                      <a:prstDash val="solid"/>
+                      <a:round/>
+                      <a:headEnd type="none" w="med" len="med"/>
+                      <a:tailEnd type="none" w="med" len="med"/>
+                    </a:lnL>
+                    <a:lnR w="6350" cap="flat" cmpd="sng" algn="ctr">
+                      <a:solidFill>
+                        <a:schemeClr val="tx1"/>
+                      </a:solidFill>
+                      <a:prstDash val="solid"/>
+                      <a:round/>
+                      <a:headEnd type="none" w="med" len="med"/>
+                      <a:tailEnd type="none" w="med" len="med"/>
+                    </a:lnR>
+                    <a:lnT w="6350" cap="flat" cmpd="sng" algn="ctr">
+                      <a:solidFill>
+                        <a:schemeClr val="tx1"/>
+                      </a:solidFill>
+                      <a:prstDash val="solid"/>
+                      <a:round/>
+                      <a:headEnd type="none" w="med" len="med"/>
+                      <a:tailEnd type="none" w="med" len="med"/>
+                    </a:lnT>
+                    <a:lnB w="6350" cap="flat" cmpd="sng" algn="ctr">
+                      <a:solidFill>
+                        <a:schemeClr val="tx1"/>
+                      </a:solidFill>
+                      <a:prstDash val="solid"/>
+                      <a:round/>
+                      <a:headEnd type="none" w="med" len="med"/>
+                      <a:tailEnd type="none" w="med" len="med"/>
+                    </a:lnB>
+                    <a:lnTlToBr w="12700" cmpd="sng">
+                      <a:noFill/>
+                      <a:prstDash val="solid"/>
+                    </a:lnTlToBr>
+                    <a:lnBlToTr w="12700" cmpd="sng">
+                      <a:noFill/>
+                      <a:prstDash val="solid"/>
+                    </a:lnBlToTr>
+                  </a:tcPr>
+                </a:tc>
+                <a:tc>
+                  <a:txBody>
+                    <a:bodyPr/>
+                    <a:lstStyle/>
+                    <a:p>
+                      <a:pPr algn="ctr"/>
+                      <a:r>
+                        <a:rPr lang="es-EC" sz="1100" b="0" dirty="0" err="1">
+                          <a:latin typeface="Arial" panose="020B0604020202020204" pitchFamily="34" charset="0"/>
+                          <a:cs typeface="Arial" panose="020B0604020202020204" pitchFamily="34" charset="0"/>
+                        </a:rPr>
+                        <a:t>gait</a:t>
+                      </a:r>
+                      <a:endParaRPr lang="es-EC" sz="1100" b="0" dirty="0">
+                        <a:latin typeface="Arial" panose="020B0604020202020204" pitchFamily="34" charset="0"/>
+                        <a:cs typeface="Arial" panose="020B0604020202020204" pitchFamily="34" charset="0"/>
+                      </a:endParaRPr>
+                    </a:p>
+                  </a:txBody>
+                  <a:tcPr>
+                    <a:lnL w="6350" cap="flat" cmpd="sng" algn="ctr">
+                      <a:solidFill>
+                        <a:schemeClr val="tx1"/>
+                      </a:solidFill>
+                      <a:prstDash val="solid"/>
+                      <a:round/>
+                      <a:headEnd type="none" w="med" len="med"/>
+                      <a:tailEnd type="none" w="med" len="med"/>
+                    </a:lnL>
+                    <a:lnR w="6350" cap="flat" cmpd="sng" algn="ctr">
+                      <a:solidFill>
+                        <a:schemeClr val="tx1"/>
+                      </a:solidFill>
+                      <a:prstDash val="solid"/>
+                      <a:round/>
+                      <a:headEnd type="none" w="med" len="med"/>
+                      <a:tailEnd type="none" w="med" len="med"/>
+                    </a:lnR>
+                    <a:lnT w="6350" cap="flat" cmpd="sng" algn="ctr">
+                      <a:solidFill>
+                        <a:schemeClr val="tx1"/>
+                      </a:solidFill>
+                      <a:prstDash val="solid"/>
+                      <a:round/>
+                      <a:headEnd type="none" w="med" len="med"/>
+                      <a:tailEnd type="none" w="med" len="med"/>
+                    </a:lnT>
+                    <a:lnB w="6350" cap="flat" cmpd="sng" algn="ctr">
+                      <a:solidFill>
+                        <a:schemeClr val="tx1"/>
+                      </a:solidFill>
+                      <a:prstDash val="solid"/>
+                      <a:round/>
+                      <a:headEnd type="none" w="med" len="med"/>
+                      <a:tailEnd type="none" w="med" len="med"/>
+                    </a:lnB>
+                    <a:lnTlToBr w="12700" cmpd="sng">
+                      <a:noFill/>
+                      <a:prstDash val="solid"/>
+                    </a:lnTlToBr>
+                    <a:lnBlToTr w="12700" cmpd="sng">
+                      <a:noFill/>
+                      <a:prstDash val="solid"/>
+                    </a:lnBlToTr>
+                  </a:tcPr>
+                </a:tc>
+                <a:extLst>
+                  <a:ext uri="{0D108BD9-81ED-4DB2-BD59-A6C34878D82A}">
+                    <a16:rowId xmlns:a16="http://schemas.microsoft.com/office/drawing/2014/main" val="927694473"/>
+                  </a:ext>
+                </a:extLst>
+              </a:tr>
+              <a:tr h="288000">
+                <a:tc>
+                  <a:txBody>
+                    <a:bodyPr/>
+                    <a:lstStyle/>
+                    <a:p>
+                      <a:pPr algn="ctr"/>
+                      <a:endParaRPr lang="es-EC" sz="1100" b="0" dirty="0">
+                        <a:latin typeface="Arial" panose="020B0604020202020204" pitchFamily="34" charset="0"/>
+                        <a:cs typeface="Arial" panose="020B0604020202020204" pitchFamily="34" charset="0"/>
+                      </a:endParaRPr>
+                    </a:p>
+                  </a:txBody>
+                  <a:tcPr>
+                    <a:lnL w="6350" cap="flat" cmpd="sng" algn="ctr">
+                      <a:solidFill>
+                        <a:schemeClr val="tx1"/>
+                      </a:solidFill>
+                      <a:prstDash val="solid"/>
+                      <a:round/>
+                      <a:headEnd type="none" w="med" len="med"/>
+                      <a:tailEnd type="none" w="med" len="med"/>
+                    </a:lnL>
+                    <a:lnR w="6350" cap="flat" cmpd="sng" algn="ctr">
+                      <a:solidFill>
+                        <a:schemeClr val="tx1"/>
+                      </a:solidFill>
+                      <a:prstDash val="solid"/>
+                      <a:round/>
+                      <a:headEnd type="none" w="med" len="med"/>
+                      <a:tailEnd type="none" w="med" len="med"/>
+                    </a:lnR>
+                    <a:lnT w="6350" cap="flat" cmpd="sng" algn="ctr">
+                      <a:solidFill>
+                        <a:schemeClr val="tx1"/>
+                      </a:solidFill>
+                      <a:prstDash val="solid"/>
+                      <a:round/>
+                      <a:headEnd type="none" w="med" len="med"/>
+                      <a:tailEnd type="none" w="med" len="med"/>
+                    </a:lnT>
+                    <a:lnB w="6350" cap="flat" cmpd="sng" algn="ctr">
+                      <a:solidFill>
+                        <a:schemeClr val="tx1"/>
+                      </a:solidFill>
+                      <a:prstDash val="solid"/>
+                      <a:round/>
+                      <a:headEnd type="none" w="med" len="med"/>
+                      <a:tailEnd type="none" w="med" len="med"/>
+                    </a:lnB>
+                    <a:lnTlToBr w="12700" cmpd="sng">
+                      <a:noFill/>
+                      <a:prstDash val="solid"/>
+                    </a:lnTlToBr>
+                    <a:lnBlToTr w="12700" cmpd="sng">
+                      <a:noFill/>
+                      <a:prstDash val="solid"/>
+                    </a:lnBlToTr>
+                  </a:tcPr>
+                </a:tc>
+                <a:tc>
+                  <a:txBody>
+                    <a:bodyPr/>
+                    <a:lstStyle/>
+                    <a:p>
+                      <a:pPr algn="ctr"/>
+                      <a:r>
+                        <a:rPr lang="es-EC" sz="1100" b="0" dirty="0" err="1">
+                          <a:latin typeface="Arial" panose="020B0604020202020204" pitchFamily="34" charset="0"/>
+                          <a:cs typeface="Arial" panose="020B0604020202020204" pitchFamily="34" charset="0"/>
+                        </a:rPr>
+                        <a:t>gender</a:t>
+                      </a:r>
+                      <a:endParaRPr lang="es-EC" sz="1100" b="0" dirty="0">
+                        <a:latin typeface="Arial" panose="020B0604020202020204" pitchFamily="34" charset="0"/>
+                        <a:cs typeface="Arial" panose="020B0604020202020204" pitchFamily="34" charset="0"/>
+                      </a:endParaRPr>
+                    </a:p>
+                  </a:txBody>
+                  <a:tcPr>
+                    <a:lnL w="6350" cap="flat" cmpd="sng" algn="ctr">
+                      <a:solidFill>
+                        <a:schemeClr val="tx1"/>
+                      </a:solidFill>
+                      <a:prstDash val="solid"/>
+                      <a:round/>
+                      <a:headEnd type="none" w="med" len="med"/>
+                      <a:tailEnd type="none" w="med" len="med"/>
+                    </a:lnL>
+                    <a:lnR w="6350" cap="flat" cmpd="sng" algn="ctr">
+                      <a:solidFill>
+                        <a:schemeClr val="tx1"/>
+                      </a:solidFill>
+                      <a:prstDash val="solid"/>
+                      <a:round/>
+                      <a:headEnd type="none" w="med" len="med"/>
+                      <a:tailEnd type="none" w="med" len="med"/>
+                    </a:lnR>
+                    <a:lnT w="6350" cap="flat" cmpd="sng" algn="ctr">
+                      <a:solidFill>
+                        <a:schemeClr val="tx1"/>
+                      </a:solidFill>
+                      <a:prstDash val="solid"/>
+                      <a:round/>
+                      <a:headEnd type="none" w="med" len="med"/>
+                      <a:tailEnd type="none" w="med" len="med"/>
+                    </a:lnT>
+                    <a:lnB w="6350" cap="flat" cmpd="sng" algn="ctr">
+                      <a:solidFill>
+                        <a:schemeClr val="tx1"/>
+                      </a:solidFill>
+                      <a:prstDash val="solid"/>
+                      <a:round/>
+                      <a:headEnd type="none" w="med" len="med"/>
+                      <a:tailEnd type="none" w="med" len="med"/>
+                    </a:lnB>
+                    <a:lnTlToBr w="12700" cmpd="sng">
+                      <a:noFill/>
+                      <a:prstDash val="solid"/>
+                    </a:lnTlToBr>
+                    <a:lnBlToTr w="12700" cmpd="sng">
+                      <a:noFill/>
+                      <a:prstDash val="solid"/>
+                    </a:lnBlToTr>
+                  </a:tcPr>
+                </a:tc>
+                <a:extLst>
+                  <a:ext uri="{0D108BD9-81ED-4DB2-BD59-A6C34878D82A}">
+                    <a16:rowId xmlns:a16="http://schemas.microsoft.com/office/drawing/2014/main" val="236181106"/>
                   </a:ext>
                 </a:extLst>
               </a:tr>
@@ -4729,7 +5435,7 @@
         </p:nvGrpSpPr>
         <p:grpSpPr>
           <a:xfrm>
-            <a:off x="2164764" y="462723"/>
+            <a:off x="3637964" y="234123"/>
             <a:ext cx="374732" cy="180000"/>
             <a:chOff x="10789001" y="1191206"/>
             <a:chExt cx="374732" cy="180000"/>
@@ -4889,7 +5595,7 @@
         </p:nvGrpSpPr>
         <p:grpSpPr>
           <a:xfrm>
-            <a:off x="10813721" y="1106421"/>
+            <a:off x="10962266" y="1109358"/>
             <a:ext cx="374732" cy="180000"/>
             <a:chOff x="10789001" y="1752746"/>
             <a:chExt cx="374732" cy="180000"/>
@@ -5252,7 +5958,7 @@
         </p:nvGrpSpPr>
         <p:grpSpPr>
           <a:xfrm flipH="1">
-            <a:off x="3285153" y="1216946"/>
+            <a:off x="4593253" y="1216946"/>
             <a:ext cx="374732" cy="180000"/>
             <a:chOff x="10789001" y="1752746"/>
             <a:chExt cx="374732" cy="180000"/>
@@ -5458,8 +6164,8 @@
         </p:nvCxnSpPr>
         <p:spPr>
           <a:xfrm>
-            <a:off x="2539496" y="552723"/>
-            <a:ext cx="745657" cy="754223"/>
+            <a:off x="4012696" y="324123"/>
+            <a:ext cx="580557" cy="982823"/>
           </a:xfrm>
           <a:prstGeom prst="bentConnector3">
             <a:avLst/>
@@ -5500,13 +6206,13 @@
           <p:nvPr>
             <p:extLst>
               <p:ext uri="{D42A27DB-BD31-4B8C-83A1-F6EECF244321}">
-                <p14:modId xmlns:p14="http://schemas.microsoft.com/office/powerpoint/2010/main" val="881973874"/>
+                <p14:modId xmlns:p14="http://schemas.microsoft.com/office/powerpoint/2010/main" val="1067962238"/>
               </p:ext>
             </p:extLst>
           </p:nvPr>
         </p:nvGraphicFramePr>
         <p:xfrm>
-          <a:off x="7027728" y="85743"/>
+          <a:off x="7523028" y="85743"/>
           <a:ext cx="1595870" cy="5731080"/>
         </p:xfrm>
         <a:graphic>
@@ -8413,7 +9119,7 @@
         </p:nvGrpSpPr>
         <p:grpSpPr>
           <a:xfrm>
-            <a:off x="5099885" y="812121"/>
+            <a:off x="6407985" y="812121"/>
             <a:ext cx="374732" cy="180000"/>
             <a:chOff x="10789001" y="1191206"/>
             <a:chExt cx="374732" cy="180000"/>
@@ -8573,7 +9279,7 @@
         </p:nvGrpSpPr>
         <p:grpSpPr>
           <a:xfrm flipH="1">
-            <a:off x="6635139" y="421406"/>
+            <a:off x="7130439" y="421406"/>
             <a:ext cx="374732" cy="180000"/>
             <a:chOff x="10789001" y="1752746"/>
             <a:chExt cx="374732" cy="180000"/>
@@ -8779,8 +9485,8 @@
         </p:nvCxnSpPr>
         <p:spPr>
           <a:xfrm flipV="1">
-            <a:off x="5474617" y="511406"/>
-            <a:ext cx="1160522" cy="390715"/>
+            <a:off x="6782717" y="511406"/>
+            <a:ext cx="347722" cy="390715"/>
           </a:xfrm>
           <a:prstGeom prst="bentConnector3">
             <a:avLst/>
@@ -8821,13 +9527,13 @@
           <p:nvPr>
             <p:extLst>
               <p:ext uri="{D42A27DB-BD31-4B8C-83A1-F6EECF244321}">
-                <p14:modId xmlns:p14="http://schemas.microsoft.com/office/powerpoint/2010/main" val="520871986"/>
+                <p14:modId xmlns:p14="http://schemas.microsoft.com/office/powerpoint/2010/main" val="3307227480"/>
               </p:ext>
             </p:extLst>
           </p:nvPr>
         </p:nvGraphicFramePr>
         <p:xfrm>
-          <a:off x="-225125" y="2519283"/>
+          <a:off x="270175" y="3166983"/>
           <a:ext cx="2395830" cy="6595080"/>
         </p:xfrm>
         <a:graphic>
@@ -11923,13 +12629,13 @@
           <p:nvPr>
             <p:extLst>
               <p:ext uri="{D42A27DB-BD31-4B8C-83A1-F6EECF244321}">
-                <p14:modId xmlns:p14="http://schemas.microsoft.com/office/powerpoint/2010/main" val="2829974252"/>
+                <p14:modId xmlns:p14="http://schemas.microsoft.com/office/powerpoint/2010/main" val="1285521072"/>
               </p:ext>
             </p:extLst>
           </p:nvPr>
         </p:nvGraphicFramePr>
         <p:xfrm>
-          <a:off x="3551661" y="2480487"/>
+          <a:off x="4046961" y="3128187"/>
           <a:ext cx="2395830" cy="7459080"/>
         </p:xfrm>
         <a:graphic>
@@ -15436,7 +16142,7 @@
         </p:nvGrpSpPr>
         <p:grpSpPr>
           <a:xfrm>
-            <a:off x="5099885" y="1020695"/>
+            <a:off x="6407985" y="1020695"/>
             <a:ext cx="374732" cy="180000"/>
             <a:chOff x="10789001" y="1191206"/>
             <a:chExt cx="374732" cy="180000"/>
@@ -15596,7 +16302,7 @@
         </p:nvGrpSpPr>
         <p:grpSpPr>
           <a:xfrm>
-            <a:off x="5955823" y="2768054"/>
+            <a:off x="6451123" y="3415754"/>
             <a:ext cx="374732" cy="180000"/>
             <a:chOff x="10789001" y="1752746"/>
             <a:chExt cx="374732" cy="180000"/>
@@ -15803,12 +16509,12 @@
         </p:nvCxnSpPr>
         <p:spPr>
           <a:xfrm>
-            <a:off x="5474617" y="1110695"/>
-            <a:ext cx="855938" cy="1747359"/>
+            <a:off x="6782717" y="1110695"/>
+            <a:ext cx="43138" cy="2395059"/>
           </a:xfrm>
           <a:prstGeom prst="bentConnector3">
             <a:avLst>
-              <a:gd name="adj1" fmla="val 126708"/>
+              <a:gd name="adj1" fmla="val 629927"/>
             </a:avLst>
           </a:prstGeom>
           <a:ln w="12700">
@@ -15847,7 +16553,7 @@
         </p:nvGrpSpPr>
         <p:grpSpPr>
           <a:xfrm flipH="1">
-            <a:off x="3262263" y="905177"/>
+            <a:off x="4570363" y="905177"/>
             <a:ext cx="374732" cy="180000"/>
             <a:chOff x="10789001" y="1191206"/>
             <a:chExt cx="374732" cy="180000"/>
@@ -16011,12 +16717,12 @@
         </p:nvCxnSpPr>
         <p:spPr>
           <a:xfrm rot="10800000" flipV="1">
-            <a:off x="2547767" y="995177"/>
-            <a:ext cx="714497" cy="1904194"/>
+            <a:off x="3043067" y="995177"/>
+            <a:ext cx="1527297" cy="2551894"/>
           </a:xfrm>
           <a:prstGeom prst="bentConnector3">
             <a:avLst>
-              <a:gd name="adj1" fmla="val 75329"/>
+              <a:gd name="adj1" fmla="val 49168"/>
             </a:avLst>
           </a:prstGeom>
           <a:ln w="12700">
@@ -16055,7 +16761,7 @@
         </p:nvGrpSpPr>
         <p:grpSpPr>
           <a:xfrm>
-            <a:off x="2173034" y="2809371"/>
+            <a:off x="2668334" y="3457071"/>
             <a:ext cx="374732" cy="180000"/>
             <a:chOff x="10789001" y="1752746"/>
             <a:chExt cx="374732" cy="180000"/>
@@ -16260,7 +16966,7 @@
         </p:nvSpPr>
         <p:spPr bwMode="auto">
           <a:xfrm>
-            <a:off x="7027728" y="6089537"/>
+            <a:off x="7523028" y="6089537"/>
             <a:ext cx="1595870" cy="938719"/>
           </a:xfrm>
           <a:prstGeom prst="rect">
@@ -16534,7 +17240,7 @@
           <p:nvPr/>
         </p:nvPicPr>
         <p:blipFill>
-          <a:blip r:embed="rId2">
+          <a:blip r:embed="rId3">
             <a:extLst>
               <a:ext uri="{28A0092B-C50C-407E-A947-70E740481C1C}">
                 <a14:useLocalDpi xmlns:a14="http://schemas.microsoft.com/office/drawing/2010/main" val="0"/>
@@ -16607,6 +17313,2369 @@
           </a:p>
         </p:txBody>
       </p:sp>
+      <p:graphicFrame>
+        <p:nvGraphicFramePr>
+          <p:cNvPr id="2" name="Tabla 1">
+            <a:extLst>
+              <a:ext uri="{FF2B5EF4-FFF2-40B4-BE49-F238E27FC236}">
+                <a16:creationId xmlns:a16="http://schemas.microsoft.com/office/drawing/2014/main" id="{76E109A1-BFB0-A2D3-961B-D45C7BD6B1FC}"/>
+              </a:ext>
+            </a:extLst>
+          </p:cNvPr>
+          <p:cNvGraphicFramePr>
+            <a:graphicFrameLocks noGrp="1"/>
+          </p:cNvGraphicFramePr>
+          <p:nvPr>
+            <p:extLst>
+              <p:ext uri="{D42A27DB-BD31-4B8C-83A1-F6EECF244321}">
+                <p14:modId xmlns:p14="http://schemas.microsoft.com/office/powerpoint/2010/main" val="4044893899"/>
+              </p:ext>
+            </p:extLst>
+          </p:nvPr>
+        </p:nvGraphicFramePr>
+        <p:xfrm>
+          <a:off x="-430879" y="160150"/>
+          <a:ext cx="1440000" cy="1699080"/>
+        </p:xfrm>
+        <a:graphic>
+          <a:graphicData uri="http://schemas.openxmlformats.org/drawingml/2006/table">
+            <a:tbl>
+              <a:tblPr firstRow="1" bandRow="1">
+                <a:tableStyleId>{5940675A-B579-460E-94D1-54222C63F5DA}</a:tableStyleId>
+              </a:tblPr>
+              <a:tblGrid>
+                <a:gridCol w="360000">
+                  <a:extLst>
+                    <a:ext uri="{9D8B030D-6E8A-4147-A177-3AD203B41FA5}">
+                      <a16:colId xmlns:a16="http://schemas.microsoft.com/office/drawing/2014/main" val="2047105596"/>
+                    </a:ext>
+                  </a:extLst>
+                </a:gridCol>
+                <a:gridCol w="1080000">
+                  <a:extLst>
+                    <a:ext uri="{9D8B030D-6E8A-4147-A177-3AD203B41FA5}">
+                      <a16:colId xmlns:a16="http://schemas.microsoft.com/office/drawing/2014/main" val="1731570171"/>
+                    </a:ext>
+                  </a:extLst>
+                </a:gridCol>
+              </a:tblGrid>
+              <a:tr h="288000">
+                <a:tc gridSpan="2">
+                  <a:txBody>
+                    <a:bodyPr/>
+                    <a:lstStyle/>
+                    <a:p>
+                      <a:pPr algn="ctr"/>
+                      <a:r>
+                        <a:rPr lang="es-EC" sz="1100" b="1" dirty="0">
+                          <a:latin typeface="Arial" panose="020B0604020202020204" pitchFamily="34" charset="0"/>
+                          <a:cs typeface="Arial" panose="020B0604020202020204" pitchFamily="34" charset="0"/>
+                        </a:rPr>
+                        <a:t>USER</a:t>
+                      </a:r>
+                    </a:p>
+                  </a:txBody>
+                  <a:tcPr>
+                    <a:lnL w="6350" cap="flat" cmpd="sng" algn="ctr">
+                      <a:solidFill>
+                        <a:schemeClr val="tx1"/>
+                      </a:solidFill>
+                      <a:prstDash val="solid"/>
+                      <a:round/>
+                      <a:headEnd type="none" w="med" len="med"/>
+                      <a:tailEnd type="none" w="med" len="med"/>
+                    </a:lnL>
+                    <a:lnR w="6350" cap="flat" cmpd="sng" algn="ctr">
+                      <a:solidFill>
+                        <a:schemeClr val="tx1"/>
+                      </a:solidFill>
+                      <a:prstDash val="solid"/>
+                      <a:round/>
+                      <a:headEnd type="none" w="med" len="med"/>
+                      <a:tailEnd type="none" w="med" len="med"/>
+                    </a:lnR>
+                    <a:lnT w="6350" cap="flat" cmpd="sng" algn="ctr">
+                      <a:solidFill>
+                        <a:schemeClr val="tx1"/>
+                      </a:solidFill>
+                      <a:prstDash val="solid"/>
+                      <a:round/>
+                      <a:headEnd type="none" w="med" len="med"/>
+                      <a:tailEnd type="none" w="med" len="med"/>
+                    </a:lnT>
+                    <a:lnB w="6350" cap="flat" cmpd="sng" algn="ctr">
+                      <a:solidFill>
+                        <a:schemeClr val="tx1"/>
+                      </a:solidFill>
+                      <a:prstDash val="solid"/>
+                      <a:round/>
+                      <a:headEnd type="none" w="med" len="med"/>
+                      <a:tailEnd type="none" w="med" len="med"/>
+                    </a:lnB>
+                    <a:lnTlToBr w="12700" cmpd="sng">
+                      <a:noFill/>
+                      <a:prstDash val="solid"/>
+                    </a:lnTlToBr>
+                    <a:lnBlToTr w="12700" cmpd="sng">
+                      <a:noFill/>
+                      <a:prstDash val="solid"/>
+                    </a:lnBlToTr>
+                    <a:solidFill>
+                      <a:schemeClr val="bg1">
+                        <a:lumMod val="65000"/>
+                      </a:schemeClr>
+                    </a:solidFill>
+                  </a:tcPr>
+                </a:tc>
+                <a:tc hMerge="1">
+                  <a:txBody>
+                    <a:bodyPr/>
+                    <a:lstStyle/>
+                    <a:p>
+                      <a:pPr algn="ctr"/>
+                      <a:r>
+                        <a:rPr lang="es-EC" sz="1100" b="1" dirty="0">
+                          <a:latin typeface="Arial" panose="020B0604020202020204" pitchFamily="34" charset="0"/>
+                          <a:cs typeface="Arial" panose="020B0604020202020204" pitchFamily="34" charset="0"/>
+                        </a:rPr>
+                        <a:t>TEST</a:t>
+                      </a:r>
+                    </a:p>
+                  </a:txBody>
+                  <a:tcPr>
+                    <a:lnL w="6350" cap="flat" cmpd="sng" algn="ctr">
+                      <a:solidFill>
+                        <a:schemeClr val="tx1"/>
+                      </a:solidFill>
+                      <a:prstDash val="solid"/>
+                      <a:round/>
+                      <a:headEnd type="none" w="med" len="med"/>
+                      <a:tailEnd type="none" w="med" len="med"/>
+                    </a:lnL>
+                    <a:lnR w="6350" cap="flat" cmpd="sng" algn="ctr">
+                      <a:solidFill>
+                        <a:schemeClr val="tx1"/>
+                      </a:solidFill>
+                      <a:prstDash val="solid"/>
+                      <a:round/>
+                      <a:headEnd type="none" w="med" len="med"/>
+                      <a:tailEnd type="none" w="med" len="med"/>
+                    </a:lnR>
+                    <a:lnT w="6350" cap="flat" cmpd="sng" algn="ctr">
+                      <a:solidFill>
+                        <a:schemeClr val="tx1"/>
+                      </a:solidFill>
+                      <a:prstDash val="solid"/>
+                      <a:round/>
+                      <a:headEnd type="none" w="med" len="med"/>
+                      <a:tailEnd type="none" w="med" len="med"/>
+                    </a:lnT>
+                    <a:lnB w="6350" cap="flat" cmpd="sng" algn="ctr">
+                      <a:solidFill>
+                        <a:schemeClr val="tx1"/>
+                      </a:solidFill>
+                      <a:prstDash val="solid"/>
+                      <a:round/>
+                      <a:headEnd type="none" w="med" len="med"/>
+                      <a:tailEnd type="none" w="med" len="med"/>
+                    </a:lnB>
+                    <a:lnTlToBr w="12700" cmpd="sng">
+                      <a:noFill/>
+                      <a:prstDash val="solid"/>
+                    </a:lnTlToBr>
+                    <a:lnBlToTr w="12700" cmpd="sng">
+                      <a:noFill/>
+                      <a:prstDash val="solid"/>
+                    </a:lnBlToTr>
+                    <a:solidFill>
+                      <a:schemeClr val="bg1">
+                        <a:lumMod val="65000"/>
+                      </a:schemeClr>
+                    </a:solidFill>
+                  </a:tcPr>
+                </a:tc>
+                <a:extLst>
+                  <a:ext uri="{0D108BD9-81ED-4DB2-BD59-A6C34878D82A}">
+                    <a16:rowId xmlns:a16="http://schemas.microsoft.com/office/drawing/2014/main" val="4112678796"/>
+                  </a:ext>
+                </a:extLst>
+              </a:tr>
+              <a:tr h="216000">
+                <a:tc>
+                  <a:txBody>
+                    <a:bodyPr/>
+                    <a:lstStyle/>
+                    <a:p>
+                      <a:pPr algn="ctr"/>
+                      <a:r>
+                        <a:rPr lang="es-EC" sz="1100" b="1" dirty="0" err="1">
+                          <a:latin typeface="Arial" panose="020B0604020202020204" pitchFamily="34" charset="0"/>
+                          <a:cs typeface="Arial" panose="020B0604020202020204" pitchFamily="34" charset="0"/>
+                        </a:rPr>
+                        <a:t>pk</a:t>
+                      </a:r>
+                      <a:endParaRPr lang="es-EC" sz="1100" b="1" dirty="0">
+                        <a:latin typeface="Arial" panose="020B0604020202020204" pitchFamily="34" charset="0"/>
+                        <a:cs typeface="Arial" panose="020B0604020202020204" pitchFamily="34" charset="0"/>
+                      </a:endParaRPr>
+                    </a:p>
+                  </a:txBody>
+                  <a:tcPr>
+                    <a:lnL w="6350" cap="flat" cmpd="sng" algn="ctr">
+                      <a:solidFill>
+                        <a:schemeClr val="tx1"/>
+                      </a:solidFill>
+                      <a:prstDash val="solid"/>
+                      <a:round/>
+                      <a:headEnd type="none" w="med" len="med"/>
+                      <a:tailEnd type="none" w="med" len="med"/>
+                    </a:lnL>
+                    <a:lnR w="6350" cap="flat" cmpd="sng" algn="ctr">
+                      <a:solidFill>
+                        <a:schemeClr val="tx1"/>
+                      </a:solidFill>
+                      <a:prstDash val="solid"/>
+                      <a:round/>
+                      <a:headEnd type="none" w="med" len="med"/>
+                      <a:tailEnd type="none" w="med" len="med"/>
+                    </a:lnR>
+                    <a:lnT w="6350" cap="flat" cmpd="sng" algn="ctr">
+                      <a:solidFill>
+                        <a:schemeClr val="tx1"/>
+                      </a:solidFill>
+                      <a:prstDash val="solid"/>
+                      <a:round/>
+                      <a:headEnd type="none" w="med" len="med"/>
+                      <a:tailEnd type="none" w="med" len="med"/>
+                    </a:lnT>
+                    <a:lnB w="6350" cap="flat" cmpd="sng" algn="ctr">
+                      <a:solidFill>
+                        <a:schemeClr val="tx1"/>
+                      </a:solidFill>
+                      <a:prstDash val="solid"/>
+                      <a:round/>
+                      <a:headEnd type="none" w="med" len="med"/>
+                      <a:tailEnd type="none" w="med" len="med"/>
+                    </a:lnB>
+                    <a:lnTlToBr w="12700" cmpd="sng">
+                      <a:noFill/>
+                      <a:prstDash val="solid"/>
+                    </a:lnTlToBr>
+                    <a:lnBlToTr w="12700" cmpd="sng">
+                      <a:noFill/>
+                      <a:prstDash val="solid"/>
+                    </a:lnBlToTr>
+                  </a:tcPr>
+                </a:tc>
+                <a:tc>
+                  <a:txBody>
+                    <a:bodyPr/>
+                    <a:lstStyle/>
+                    <a:p>
+                      <a:pPr algn="ctr"/>
+                      <a:r>
+                        <a:rPr lang="es-EC" sz="1100" b="1" dirty="0" err="1">
+                          <a:latin typeface="Arial" panose="020B0604020202020204" pitchFamily="34" charset="0"/>
+                          <a:cs typeface="Arial" panose="020B0604020202020204" pitchFamily="34" charset="0"/>
+                        </a:rPr>
+                        <a:t>username</a:t>
+                      </a:r>
+                      <a:endParaRPr lang="es-EC" sz="1100" b="1" dirty="0">
+                        <a:latin typeface="Arial" panose="020B0604020202020204" pitchFamily="34" charset="0"/>
+                        <a:cs typeface="Arial" panose="020B0604020202020204" pitchFamily="34" charset="0"/>
+                      </a:endParaRPr>
+                    </a:p>
+                  </a:txBody>
+                  <a:tcPr>
+                    <a:lnL w="6350" cap="flat" cmpd="sng" algn="ctr">
+                      <a:solidFill>
+                        <a:schemeClr val="tx1"/>
+                      </a:solidFill>
+                      <a:prstDash val="solid"/>
+                      <a:round/>
+                      <a:headEnd type="none" w="med" len="med"/>
+                      <a:tailEnd type="none" w="med" len="med"/>
+                    </a:lnL>
+                    <a:lnR w="6350" cap="flat" cmpd="sng" algn="ctr">
+                      <a:solidFill>
+                        <a:schemeClr val="tx1"/>
+                      </a:solidFill>
+                      <a:prstDash val="solid"/>
+                      <a:round/>
+                      <a:headEnd type="none" w="med" len="med"/>
+                      <a:tailEnd type="none" w="med" len="med"/>
+                    </a:lnR>
+                    <a:lnT w="6350" cap="flat" cmpd="sng" algn="ctr">
+                      <a:solidFill>
+                        <a:schemeClr val="tx1"/>
+                      </a:solidFill>
+                      <a:prstDash val="solid"/>
+                      <a:round/>
+                      <a:headEnd type="none" w="med" len="med"/>
+                      <a:tailEnd type="none" w="med" len="med"/>
+                    </a:lnT>
+                    <a:lnB w="6350" cap="flat" cmpd="sng" algn="ctr">
+                      <a:solidFill>
+                        <a:schemeClr val="tx1"/>
+                      </a:solidFill>
+                      <a:prstDash val="solid"/>
+                      <a:round/>
+                      <a:headEnd type="none" w="med" len="med"/>
+                      <a:tailEnd type="none" w="med" len="med"/>
+                    </a:lnB>
+                    <a:lnTlToBr w="12700" cmpd="sng">
+                      <a:noFill/>
+                      <a:prstDash val="solid"/>
+                    </a:lnTlToBr>
+                    <a:lnBlToTr w="12700" cmpd="sng">
+                      <a:noFill/>
+                      <a:prstDash val="solid"/>
+                    </a:lnBlToTr>
+                  </a:tcPr>
+                </a:tc>
+                <a:extLst>
+                  <a:ext uri="{0D108BD9-81ED-4DB2-BD59-A6C34878D82A}">
+                    <a16:rowId xmlns:a16="http://schemas.microsoft.com/office/drawing/2014/main" val="1220413991"/>
+                  </a:ext>
+                </a:extLst>
+              </a:tr>
+              <a:tr h="288000">
+                <a:tc>
+                  <a:txBody>
+                    <a:bodyPr/>
+                    <a:lstStyle/>
+                    <a:p>
+                      <a:pPr algn="ctr"/>
+                      <a:endParaRPr lang="es-EC" sz="1100" b="0" dirty="0">
+                        <a:latin typeface="Arial" panose="020B0604020202020204" pitchFamily="34" charset="0"/>
+                        <a:cs typeface="Arial" panose="020B0604020202020204" pitchFamily="34" charset="0"/>
+                      </a:endParaRPr>
+                    </a:p>
+                  </a:txBody>
+                  <a:tcPr>
+                    <a:lnL w="6350" cap="flat" cmpd="sng" algn="ctr">
+                      <a:solidFill>
+                        <a:schemeClr val="tx1"/>
+                      </a:solidFill>
+                      <a:prstDash val="solid"/>
+                      <a:round/>
+                      <a:headEnd type="none" w="med" len="med"/>
+                      <a:tailEnd type="none" w="med" len="med"/>
+                    </a:lnL>
+                    <a:lnR w="6350" cap="flat" cmpd="sng" algn="ctr">
+                      <a:solidFill>
+                        <a:schemeClr val="tx1"/>
+                      </a:solidFill>
+                      <a:prstDash val="solid"/>
+                      <a:round/>
+                      <a:headEnd type="none" w="med" len="med"/>
+                      <a:tailEnd type="none" w="med" len="med"/>
+                    </a:lnR>
+                    <a:lnT w="6350" cap="flat" cmpd="sng" algn="ctr">
+                      <a:solidFill>
+                        <a:schemeClr val="tx1"/>
+                      </a:solidFill>
+                      <a:prstDash val="solid"/>
+                      <a:round/>
+                      <a:headEnd type="none" w="med" len="med"/>
+                      <a:tailEnd type="none" w="med" len="med"/>
+                    </a:lnT>
+                    <a:lnB w="6350" cap="flat" cmpd="sng" algn="ctr">
+                      <a:solidFill>
+                        <a:schemeClr val="tx1"/>
+                      </a:solidFill>
+                      <a:prstDash val="solid"/>
+                      <a:round/>
+                      <a:headEnd type="none" w="med" len="med"/>
+                      <a:tailEnd type="none" w="med" len="med"/>
+                    </a:lnB>
+                    <a:lnTlToBr w="12700" cmpd="sng">
+                      <a:noFill/>
+                      <a:prstDash val="solid"/>
+                    </a:lnTlToBr>
+                    <a:lnBlToTr w="12700" cmpd="sng">
+                      <a:noFill/>
+                      <a:prstDash val="solid"/>
+                    </a:lnBlToTr>
+                  </a:tcPr>
+                </a:tc>
+                <a:tc>
+                  <a:txBody>
+                    <a:bodyPr/>
+                    <a:lstStyle/>
+                    <a:p>
+                      <a:pPr algn="ctr"/>
+                      <a:r>
+                        <a:rPr lang="es-EC" sz="1100" b="0" dirty="0" err="1">
+                          <a:latin typeface="Arial" panose="020B0604020202020204" pitchFamily="34" charset="0"/>
+                          <a:cs typeface="Arial" panose="020B0604020202020204" pitchFamily="34" charset="0"/>
+                        </a:rPr>
+                        <a:t>name</a:t>
+                      </a:r>
+                      <a:endParaRPr lang="es-EC" sz="1100" b="0" dirty="0">
+                        <a:latin typeface="Arial" panose="020B0604020202020204" pitchFamily="34" charset="0"/>
+                        <a:cs typeface="Arial" panose="020B0604020202020204" pitchFamily="34" charset="0"/>
+                      </a:endParaRPr>
+                    </a:p>
+                  </a:txBody>
+                  <a:tcPr>
+                    <a:lnL w="6350" cap="flat" cmpd="sng" algn="ctr">
+                      <a:solidFill>
+                        <a:schemeClr val="tx1"/>
+                      </a:solidFill>
+                      <a:prstDash val="solid"/>
+                      <a:round/>
+                      <a:headEnd type="none" w="med" len="med"/>
+                      <a:tailEnd type="none" w="med" len="med"/>
+                    </a:lnL>
+                    <a:lnR w="6350" cap="flat" cmpd="sng" algn="ctr">
+                      <a:solidFill>
+                        <a:schemeClr val="tx1"/>
+                      </a:solidFill>
+                      <a:prstDash val="solid"/>
+                      <a:round/>
+                      <a:headEnd type="none" w="med" len="med"/>
+                      <a:tailEnd type="none" w="med" len="med"/>
+                    </a:lnR>
+                    <a:lnT w="6350" cap="flat" cmpd="sng" algn="ctr">
+                      <a:solidFill>
+                        <a:schemeClr val="tx1"/>
+                      </a:solidFill>
+                      <a:prstDash val="solid"/>
+                      <a:round/>
+                      <a:headEnd type="none" w="med" len="med"/>
+                      <a:tailEnd type="none" w="med" len="med"/>
+                    </a:lnT>
+                    <a:lnB w="6350" cap="flat" cmpd="sng" algn="ctr">
+                      <a:solidFill>
+                        <a:schemeClr val="tx1"/>
+                      </a:solidFill>
+                      <a:prstDash val="solid"/>
+                      <a:round/>
+                      <a:headEnd type="none" w="med" len="med"/>
+                      <a:tailEnd type="none" w="med" len="med"/>
+                    </a:lnB>
+                    <a:lnTlToBr w="12700" cmpd="sng">
+                      <a:noFill/>
+                      <a:prstDash val="solid"/>
+                    </a:lnTlToBr>
+                    <a:lnBlToTr w="12700" cmpd="sng">
+                      <a:noFill/>
+                      <a:prstDash val="solid"/>
+                    </a:lnBlToTr>
+                  </a:tcPr>
+                </a:tc>
+                <a:extLst>
+                  <a:ext uri="{0D108BD9-81ED-4DB2-BD59-A6C34878D82A}">
+                    <a16:rowId xmlns:a16="http://schemas.microsoft.com/office/drawing/2014/main" val="2180896401"/>
+                  </a:ext>
+                </a:extLst>
+              </a:tr>
+              <a:tr h="288000">
+                <a:tc>
+                  <a:txBody>
+                    <a:bodyPr/>
+                    <a:lstStyle/>
+                    <a:p>
+                      <a:pPr algn="ctr"/>
+                      <a:endParaRPr lang="es-EC" sz="1100" b="0" dirty="0">
+                        <a:latin typeface="Arial" panose="020B0604020202020204" pitchFamily="34" charset="0"/>
+                        <a:cs typeface="Arial" panose="020B0604020202020204" pitchFamily="34" charset="0"/>
+                      </a:endParaRPr>
+                    </a:p>
+                  </a:txBody>
+                  <a:tcPr>
+                    <a:lnL w="6350" cap="flat" cmpd="sng" algn="ctr">
+                      <a:solidFill>
+                        <a:schemeClr val="tx1"/>
+                      </a:solidFill>
+                      <a:prstDash val="solid"/>
+                      <a:round/>
+                      <a:headEnd type="none" w="med" len="med"/>
+                      <a:tailEnd type="none" w="med" len="med"/>
+                    </a:lnL>
+                    <a:lnR w="6350" cap="flat" cmpd="sng" algn="ctr">
+                      <a:solidFill>
+                        <a:schemeClr val="tx1"/>
+                      </a:solidFill>
+                      <a:prstDash val="solid"/>
+                      <a:round/>
+                      <a:headEnd type="none" w="med" len="med"/>
+                      <a:tailEnd type="none" w="med" len="med"/>
+                    </a:lnR>
+                    <a:lnT w="6350" cap="flat" cmpd="sng" algn="ctr">
+                      <a:solidFill>
+                        <a:schemeClr val="tx1"/>
+                      </a:solidFill>
+                      <a:prstDash val="solid"/>
+                      <a:round/>
+                      <a:headEnd type="none" w="med" len="med"/>
+                      <a:tailEnd type="none" w="med" len="med"/>
+                    </a:lnT>
+                    <a:lnB w="6350" cap="flat" cmpd="sng" algn="ctr">
+                      <a:solidFill>
+                        <a:schemeClr val="tx1"/>
+                      </a:solidFill>
+                      <a:prstDash val="solid"/>
+                      <a:round/>
+                      <a:headEnd type="none" w="med" len="med"/>
+                      <a:tailEnd type="none" w="med" len="med"/>
+                    </a:lnB>
+                    <a:lnTlToBr w="12700" cmpd="sng">
+                      <a:noFill/>
+                      <a:prstDash val="solid"/>
+                    </a:lnTlToBr>
+                    <a:lnBlToTr w="12700" cmpd="sng">
+                      <a:noFill/>
+                      <a:prstDash val="solid"/>
+                    </a:lnBlToTr>
+                  </a:tcPr>
+                </a:tc>
+                <a:tc>
+                  <a:txBody>
+                    <a:bodyPr/>
+                    <a:lstStyle/>
+                    <a:p>
+                      <a:pPr algn="ctr"/>
+                      <a:r>
+                        <a:rPr lang="es-EC" sz="1100" b="0" dirty="0" err="1">
+                          <a:latin typeface="Arial" panose="020B0604020202020204" pitchFamily="34" charset="0"/>
+                          <a:cs typeface="Arial" panose="020B0604020202020204" pitchFamily="34" charset="0"/>
+                        </a:rPr>
+                        <a:t>lastname</a:t>
+                      </a:r>
+                      <a:endParaRPr lang="es-EC" sz="1100" b="0" dirty="0">
+                        <a:latin typeface="Arial" panose="020B0604020202020204" pitchFamily="34" charset="0"/>
+                        <a:cs typeface="Arial" panose="020B0604020202020204" pitchFamily="34" charset="0"/>
+                      </a:endParaRPr>
+                    </a:p>
+                  </a:txBody>
+                  <a:tcPr>
+                    <a:lnL w="6350" cap="flat" cmpd="sng" algn="ctr">
+                      <a:solidFill>
+                        <a:schemeClr val="tx1"/>
+                      </a:solidFill>
+                      <a:prstDash val="solid"/>
+                      <a:round/>
+                      <a:headEnd type="none" w="med" len="med"/>
+                      <a:tailEnd type="none" w="med" len="med"/>
+                    </a:lnL>
+                    <a:lnR w="6350" cap="flat" cmpd="sng" algn="ctr">
+                      <a:solidFill>
+                        <a:schemeClr val="tx1"/>
+                      </a:solidFill>
+                      <a:prstDash val="solid"/>
+                      <a:round/>
+                      <a:headEnd type="none" w="med" len="med"/>
+                      <a:tailEnd type="none" w="med" len="med"/>
+                    </a:lnR>
+                    <a:lnT w="6350" cap="flat" cmpd="sng" algn="ctr">
+                      <a:solidFill>
+                        <a:schemeClr val="tx1"/>
+                      </a:solidFill>
+                      <a:prstDash val="solid"/>
+                      <a:round/>
+                      <a:headEnd type="none" w="med" len="med"/>
+                      <a:tailEnd type="none" w="med" len="med"/>
+                    </a:lnT>
+                    <a:lnB w="6350" cap="flat" cmpd="sng" algn="ctr">
+                      <a:solidFill>
+                        <a:schemeClr val="tx1"/>
+                      </a:solidFill>
+                      <a:prstDash val="solid"/>
+                      <a:round/>
+                      <a:headEnd type="none" w="med" len="med"/>
+                      <a:tailEnd type="none" w="med" len="med"/>
+                    </a:lnB>
+                    <a:lnTlToBr w="12700" cmpd="sng">
+                      <a:noFill/>
+                      <a:prstDash val="solid"/>
+                    </a:lnTlToBr>
+                    <a:lnBlToTr w="12700" cmpd="sng">
+                      <a:noFill/>
+                      <a:prstDash val="solid"/>
+                    </a:lnBlToTr>
+                  </a:tcPr>
+                </a:tc>
+                <a:extLst>
+                  <a:ext uri="{0D108BD9-81ED-4DB2-BD59-A6C34878D82A}">
+                    <a16:rowId xmlns:a16="http://schemas.microsoft.com/office/drawing/2014/main" val="3017425323"/>
+                  </a:ext>
+                </a:extLst>
+              </a:tr>
+              <a:tr h="288000">
+                <a:tc>
+                  <a:txBody>
+                    <a:bodyPr/>
+                    <a:lstStyle/>
+                    <a:p>
+                      <a:pPr algn="ctr"/>
+                      <a:endParaRPr lang="es-EC" sz="1100" b="0" dirty="0">
+                        <a:latin typeface="Arial" panose="020B0604020202020204" pitchFamily="34" charset="0"/>
+                        <a:cs typeface="Arial" panose="020B0604020202020204" pitchFamily="34" charset="0"/>
+                      </a:endParaRPr>
+                    </a:p>
+                  </a:txBody>
+                  <a:tcPr>
+                    <a:lnL w="6350" cap="flat" cmpd="sng" algn="ctr">
+                      <a:solidFill>
+                        <a:schemeClr val="tx1"/>
+                      </a:solidFill>
+                      <a:prstDash val="solid"/>
+                      <a:round/>
+                      <a:headEnd type="none" w="med" len="med"/>
+                      <a:tailEnd type="none" w="med" len="med"/>
+                    </a:lnL>
+                    <a:lnR w="6350" cap="flat" cmpd="sng" algn="ctr">
+                      <a:solidFill>
+                        <a:schemeClr val="tx1"/>
+                      </a:solidFill>
+                      <a:prstDash val="solid"/>
+                      <a:round/>
+                      <a:headEnd type="none" w="med" len="med"/>
+                      <a:tailEnd type="none" w="med" len="med"/>
+                    </a:lnR>
+                    <a:lnT w="6350" cap="flat" cmpd="sng" algn="ctr">
+                      <a:solidFill>
+                        <a:schemeClr val="tx1"/>
+                      </a:solidFill>
+                      <a:prstDash val="solid"/>
+                      <a:round/>
+                      <a:headEnd type="none" w="med" len="med"/>
+                      <a:tailEnd type="none" w="med" len="med"/>
+                    </a:lnT>
+                    <a:lnB w="6350" cap="flat" cmpd="sng" algn="ctr">
+                      <a:solidFill>
+                        <a:schemeClr val="tx1"/>
+                      </a:solidFill>
+                      <a:prstDash val="solid"/>
+                      <a:round/>
+                      <a:headEnd type="none" w="med" len="med"/>
+                      <a:tailEnd type="none" w="med" len="med"/>
+                    </a:lnB>
+                    <a:lnTlToBr w="12700" cmpd="sng">
+                      <a:noFill/>
+                      <a:prstDash val="solid"/>
+                    </a:lnTlToBr>
+                    <a:lnBlToTr w="12700" cmpd="sng">
+                      <a:noFill/>
+                      <a:prstDash val="solid"/>
+                    </a:lnBlToTr>
+                  </a:tcPr>
+                </a:tc>
+                <a:tc>
+                  <a:txBody>
+                    <a:bodyPr/>
+                    <a:lstStyle/>
+                    <a:p>
+                      <a:pPr algn="ctr"/>
+                      <a:r>
+                        <a:rPr lang="es-EC" sz="1100" b="0" dirty="0">
+                          <a:latin typeface="Arial" panose="020B0604020202020204" pitchFamily="34" charset="0"/>
+                          <a:cs typeface="Arial" panose="020B0604020202020204" pitchFamily="34" charset="0"/>
+                        </a:rPr>
+                        <a:t>email</a:t>
+                      </a:r>
+                    </a:p>
+                  </a:txBody>
+                  <a:tcPr>
+                    <a:lnL w="6350" cap="flat" cmpd="sng" algn="ctr">
+                      <a:solidFill>
+                        <a:schemeClr val="tx1"/>
+                      </a:solidFill>
+                      <a:prstDash val="solid"/>
+                      <a:round/>
+                      <a:headEnd type="none" w="med" len="med"/>
+                      <a:tailEnd type="none" w="med" len="med"/>
+                    </a:lnL>
+                    <a:lnR w="6350" cap="flat" cmpd="sng" algn="ctr">
+                      <a:solidFill>
+                        <a:schemeClr val="tx1"/>
+                      </a:solidFill>
+                      <a:prstDash val="solid"/>
+                      <a:round/>
+                      <a:headEnd type="none" w="med" len="med"/>
+                      <a:tailEnd type="none" w="med" len="med"/>
+                    </a:lnR>
+                    <a:lnT w="6350" cap="flat" cmpd="sng" algn="ctr">
+                      <a:solidFill>
+                        <a:schemeClr val="tx1"/>
+                      </a:solidFill>
+                      <a:prstDash val="solid"/>
+                      <a:round/>
+                      <a:headEnd type="none" w="med" len="med"/>
+                      <a:tailEnd type="none" w="med" len="med"/>
+                    </a:lnT>
+                    <a:lnB w="6350" cap="flat" cmpd="sng" algn="ctr">
+                      <a:solidFill>
+                        <a:schemeClr val="tx1"/>
+                      </a:solidFill>
+                      <a:prstDash val="solid"/>
+                      <a:round/>
+                      <a:headEnd type="none" w="med" len="med"/>
+                      <a:tailEnd type="none" w="med" len="med"/>
+                    </a:lnB>
+                    <a:lnTlToBr w="12700" cmpd="sng">
+                      <a:noFill/>
+                      <a:prstDash val="solid"/>
+                    </a:lnTlToBr>
+                    <a:lnBlToTr w="12700" cmpd="sng">
+                      <a:noFill/>
+                      <a:prstDash val="solid"/>
+                    </a:lnBlToTr>
+                  </a:tcPr>
+                </a:tc>
+                <a:extLst>
+                  <a:ext uri="{0D108BD9-81ED-4DB2-BD59-A6C34878D82A}">
+                    <a16:rowId xmlns:a16="http://schemas.microsoft.com/office/drawing/2014/main" val="3314884696"/>
+                  </a:ext>
+                </a:extLst>
+              </a:tr>
+              <a:tr h="288000">
+                <a:tc>
+                  <a:txBody>
+                    <a:bodyPr/>
+                    <a:lstStyle/>
+                    <a:p>
+                      <a:pPr algn="ctr"/>
+                      <a:endParaRPr lang="es-EC" sz="1100" b="0" dirty="0">
+                        <a:latin typeface="Arial" panose="020B0604020202020204" pitchFamily="34" charset="0"/>
+                        <a:cs typeface="Arial" panose="020B0604020202020204" pitchFamily="34" charset="0"/>
+                      </a:endParaRPr>
+                    </a:p>
+                  </a:txBody>
+                  <a:tcPr>
+                    <a:lnL w="6350" cap="flat" cmpd="sng" algn="ctr">
+                      <a:solidFill>
+                        <a:schemeClr val="tx1"/>
+                      </a:solidFill>
+                      <a:prstDash val="solid"/>
+                      <a:round/>
+                      <a:headEnd type="none" w="med" len="med"/>
+                      <a:tailEnd type="none" w="med" len="med"/>
+                    </a:lnL>
+                    <a:lnR w="6350" cap="flat" cmpd="sng" algn="ctr">
+                      <a:solidFill>
+                        <a:schemeClr val="tx1"/>
+                      </a:solidFill>
+                      <a:prstDash val="solid"/>
+                      <a:round/>
+                      <a:headEnd type="none" w="med" len="med"/>
+                      <a:tailEnd type="none" w="med" len="med"/>
+                    </a:lnR>
+                    <a:lnT w="6350" cap="flat" cmpd="sng" algn="ctr">
+                      <a:solidFill>
+                        <a:schemeClr val="tx1"/>
+                      </a:solidFill>
+                      <a:prstDash val="solid"/>
+                      <a:round/>
+                      <a:headEnd type="none" w="med" len="med"/>
+                      <a:tailEnd type="none" w="med" len="med"/>
+                    </a:lnT>
+                    <a:lnB w="6350" cap="flat" cmpd="sng" algn="ctr">
+                      <a:solidFill>
+                        <a:schemeClr val="tx1"/>
+                      </a:solidFill>
+                      <a:prstDash val="solid"/>
+                      <a:round/>
+                      <a:headEnd type="none" w="med" len="med"/>
+                      <a:tailEnd type="none" w="med" len="med"/>
+                    </a:lnB>
+                    <a:lnTlToBr w="12700" cmpd="sng">
+                      <a:noFill/>
+                      <a:prstDash val="solid"/>
+                    </a:lnTlToBr>
+                    <a:lnBlToTr w="12700" cmpd="sng">
+                      <a:noFill/>
+                      <a:prstDash val="solid"/>
+                    </a:lnBlToTr>
+                  </a:tcPr>
+                </a:tc>
+                <a:tc>
+                  <a:txBody>
+                    <a:bodyPr/>
+                    <a:lstStyle/>
+                    <a:p>
+                      <a:pPr algn="ctr"/>
+                      <a:r>
+                        <a:rPr lang="es-EC" sz="1100" b="0" dirty="0" err="1">
+                          <a:latin typeface="Arial" panose="020B0604020202020204" pitchFamily="34" charset="0"/>
+                          <a:cs typeface="Arial" panose="020B0604020202020204" pitchFamily="34" charset="0"/>
+                        </a:rPr>
+                        <a:t>pass</a:t>
+                      </a:r>
+                      <a:endParaRPr lang="es-EC" sz="1100" b="0" dirty="0">
+                        <a:latin typeface="Arial" panose="020B0604020202020204" pitchFamily="34" charset="0"/>
+                        <a:cs typeface="Arial" panose="020B0604020202020204" pitchFamily="34" charset="0"/>
+                      </a:endParaRPr>
+                    </a:p>
+                  </a:txBody>
+                  <a:tcPr>
+                    <a:lnL w="6350" cap="flat" cmpd="sng" algn="ctr">
+                      <a:solidFill>
+                        <a:schemeClr val="tx1"/>
+                      </a:solidFill>
+                      <a:prstDash val="solid"/>
+                      <a:round/>
+                      <a:headEnd type="none" w="med" len="med"/>
+                      <a:tailEnd type="none" w="med" len="med"/>
+                    </a:lnL>
+                    <a:lnR w="6350" cap="flat" cmpd="sng" algn="ctr">
+                      <a:solidFill>
+                        <a:schemeClr val="tx1"/>
+                      </a:solidFill>
+                      <a:prstDash val="solid"/>
+                      <a:round/>
+                      <a:headEnd type="none" w="med" len="med"/>
+                      <a:tailEnd type="none" w="med" len="med"/>
+                    </a:lnR>
+                    <a:lnT w="6350" cap="flat" cmpd="sng" algn="ctr">
+                      <a:solidFill>
+                        <a:schemeClr val="tx1"/>
+                      </a:solidFill>
+                      <a:prstDash val="solid"/>
+                      <a:round/>
+                      <a:headEnd type="none" w="med" len="med"/>
+                      <a:tailEnd type="none" w="med" len="med"/>
+                    </a:lnT>
+                    <a:lnB w="6350" cap="flat" cmpd="sng" algn="ctr">
+                      <a:solidFill>
+                        <a:schemeClr val="tx1"/>
+                      </a:solidFill>
+                      <a:prstDash val="solid"/>
+                      <a:round/>
+                      <a:headEnd type="none" w="med" len="med"/>
+                      <a:tailEnd type="none" w="med" len="med"/>
+                    </a:lnB>
+                    <a:lnTlToBr w="12700" cmpd="sng">
+                      <a:noFill/>
+                      <a:prstDash val="solid"/>
+                    </a:lnTlToBr>
+                    <a:lnBlToTr w="12700" cmpd="sng">
+                      <a:noFill/>
+                      <a:prstDash val="solid"/>
+                    </a:lnBlToTr>
+                  </a:tcPr>
+                </a:tc>
+                <a:extLst>
+                  <a:ext uri="{0D108BD9-81ED-4DB2-BD59-A6C34878D82A}">
+                    <a16:rowId xmlns:a16="http://schemas.microsoft.com/office/drawing/2014/main" val="3230339890"/>
+                  </a:ext>
+                </a:extLst>
+              </a:tr>
+            </a:tbl>
+          </a:graphicData>
+        </a:graphic>
+      </p:graphicFrame>
+      <p:graphicFrame>
+        <p:nvGraphicFramePr>
+          <p:cNvPr id="6" name="Tabla 5">
+            <a:extLst>
+              <a:ext uri="{FF2B5EF4-FFF2-40B4-BE49-F238E27FC236}">
+                <a16:creationId xmlns:a16="http://schemas.microsoft.com/office/drawing/2014/main" id="{62BA4EF8-DFD6-904D-10E2-CAA0D1FD0F7D}"/>
+              </a:ext>
+            </a:extLst>
+          </p:cNvPr>
+          <p:cNvGraphicFramePr>
+            <a:graphicFrameLocks noGrp="1"/>
+          </p:cNvGraphicFramePr>
+          <p:nvPr>
+            <p:extLst>
+              <p:ext uri="{D42A27DB-BD31-4B8C-83A1-F6EECF244321}">
+                <p14:modId xmlns:p14="http://schemas.microsoft.com/office/powerpoint/2010/main" val="1378073722"/>
+              </p:ext>
+            </p:extLst>
+          </p:nvPr>
+        </p:nvGraphicFramePr>
+        <p:xfrm>
+          <a:off x="2209651" y="1898958"/>
+          <a:ext cx="1440000" cy="1123080"/>
+        </p:xfrm>
+        <a:graphic>
+          <a:graphicData uri="http://schemas.openxmlformats.org/drawingml/2006/table">
+            <a:tbl>
+              <a:tblPr firstRow="1" bandRow="1">
+                <a:tableStyleId>{5940675A-B579-460E-94D1-54222C63F5DA}</a:tableStyleId>
+              </a:tblPr>
+              <a:tblGrid>
+                <a:gridCol w="360000">
+                  <a:extLst>
+                    <a:ext uri="{9D8B030D-6E8A-4147-A177-3AD203B41FA5}">
+                      <a16:colId xmlns:a16="http://schemas.microsoft.com/office/drawing/2014/main" val="2047105596"/>
+                    </a:ext>
+                  </a:extLst>
+                </a:gridCol>
+                <a:gridCol w="1080000">
+                  <a:extLst>
+                    <a:ext uri="{9D8B030D-6E8A-4147-A177-3AD203B41FA5}">
+                      <a16:colId xmlns:a16="http://schemas.microsoft.com/office/drawing/2014/main" val="1731570171"/>
+                    </a:ext>
+                  </a:extLst>
+                </a:gridCol>
+              </a:tblGrid>
+              <a:tr h="288000">
+                <a:tc gridSpan="2">
+                  <a:txBody>
+                    <a:bodyPr/>
+                    <a:lstStyle/>
+                    <a:p>
+                      <a:pPr algn="ctr"/>
+                      <a:r>
+                        <a:rPr lang="es-EC" sz="1100" b="1" dirty="0">
+                          <a:latin typeface="Arial" panose="020B0604020202020204" pitchFamily="34" charset="0"/>
+                          <a:cs typeface="Arial" panose="020B0604020202020204" pitchFamily="34" charset="0"/>
+                        </a:rPr>
+                        <a:t>VIEW</a:t>
+                      </a:r>
+                    </a:p>
+                  </a:txBody>
+                  <a:tcPr>
+                    <a:lnL w="6350" cap="flat" cmpd="sng" algn="ctr">
+                      <a:solidFill>
+                        <a:schemeClr val="tx1"/>
+                      </a:solidFill>
+                      <a:prstDash val="solid"/>
+                      <a:round/>
+                      <a:headEnd type="none" w="med" len="med"/>
+                      <a:tailEnd type="none" w="med" len="med"/>
+                    </a:lnL>
+                    <a:lnR w="6350" cap="flat" cmpd="sng" algn="ctr">
+                      <a:solidFill>
+                        <a:schemeClr val="tx1"/>
+                      </a:solidFill>
+                      <a:prstDash val="solid"/>
+                      <a:round/>
+                      <a:headEnd type="none" w="med" len="med"/>
+                      <a:tailEnd type="none" w="med" len="med"/>
+                    </a:lnR>
+                    <a:lnT w="6350" cap="flat" cmpd="sng" algn="ctr">
+                      <a:solidFill>
+                        <a:schemeClr val="tx1"/>
+                      </a:solidFill>
+                      <a:prstDash val="solid"/>
+                      <a:round/>
+                      <a:headEnd type="none" w="med" len="med"/>
+                      <a:tailEnd type="none" w="med" len="med"/>
+                    </a:lnT>
+                    <a:lnB w="6350" cap="flat" cmpd="sng" algn="ctr">
+                      <a:solidFill>
+                        <a:schemeClr val="tx1"/>
+                      </a:solidFill>
+                      <a:prstDash val="solid"/>
+                      <a:round/>
+                      <a:headEnd type="none" w="med" len="med"/>
+                      <a:tailEnd type="none" w="med" len="med"/>
+                    </a:lnB>
+                    <a:lnTlToBr w="12700" cmpd="sng">
+                      <a:noFill/>
+                      <a:prstDash val="solid"/>
+                    </a:lnTlToBr>
+                    <a:lnBlToTr w="12700" cmpd="sng">
+                      <a:noFill/>
+                      <a:prstDash val="solid"/>
+                    </a:lnBlToTr>
+                    <a:solidFill>
+                      <a:schemeClr val="bg1">
+                        <a:lumMod val="65000"/>
+                      </a:schemeClr>
+                    </a:solidFill>
+                  </a:tcPr>
+                </a:tc>
+                <a:tc hMerge="1">
+                  <a:txBody>
+                    <a:bodyPr/>
+                    <a:lstStyle/>
+                    <a:p>
+                      <a:pPr algn="ctr"/>
+                      <a:r>
+                        <a:rPr lang="es-EC" sz="1100" b="1" dirty="0">
+                          <a:latin typeface="Arial" panose="020B0604020202020204" pitchFamily="34" charset="0"/>
+                          <a:cs typeface="Arial" panose="020B0604020202020204" pitchFamily="34" charset="0"/>
+                        </a:rPr>
+                        <a:t>TEST</a:t>
+                      </a:r>
+                    </a:p>
+                  </a:txBody>
+                  <a:tcPr>
+                    <a:lnL w="6350" cap="flat" cmpd="sng" algn="ctr">
+                      <a:solidFill>
+                        <a:schemeClr val="tx1"/>
+                      </a:solidFill>
+                      <a:prstDash val="solid"/>
+                      <a:round/>
+                      <a:headEnd type="none" w="med" len="med"/>
+                      <a:tailEnd type="none" w="med" len="med"/>
+                    </a:lnL>
+                    <a:lnR w="6350" cap="flat" cmpd="sng" algn="ctr">
+                      <a:solidFill>
+                        <a:schemeClr val="tx1"/>
+                      </a:solidFill>
+                      <a:prstDash val="solid"/>
+                      <a:round/>
+                      <a:headEnd type="none" w="med" len="med"/>
+                      <a:tailEnd type="none" w="med" len="med"/>
+                    </a:lnR>
+                    <a:lnT w="6350" cap="flat" cmpd="sng" algn="ctr">
+                      <a:solidFill>
+                        <a:schemeClr val="tx1"/>
+                      </a:solidFill>
+                      <a:prstDash val="solid"/>
+                      <a:round/>
+                      <a:headEnd type="none" w="med" len="med"/>
+                      <a:tailEnd type="none" w="med" len="med"/>
+                    </a:lnT>
+                    <a:lnB w="6350" cap="flat" cmpd="sng" algn="ctr">
+                      <a:solidFill>
+                        <a:schemeClr val="tx1"/>
+                      </a:solidFill>
+                      <a:prstDash val="solid"/>
+                      <a:round/>
+                      <a:headEnd type="none" w="med" len="med"/>
+                      <a:tailEnd type="none" w="med" len="med"/>
+                    </a:lnB>
+                    <a:lnTlToBr w="12700" cmpd="sng">
+                      <a:noFill/>
+                      <a:prstDash val="solid"/>
+                    </a:lnTlToBr>
+                    <a:lnBlToTr w="12700" cmpd="sng">
+                      <a:noFill/>
+                      <a:prstDash val="solid"/>
+                    </a:lnBlToTr>
+                    <a:solidFill>
+                      <a:schemeClr val="bg1">
+                        <a:lumMod val="65000"/>
+                      </a:schemeClr>
+                    </a:solidFill>
+                  </a:tcPr>
+                </a:tc>
+                <a:extLst>
+                  <a:ext uri="{0D108BD9-81ED-4DB2-BD59-A6C34878D82A}">
+                    <a16:rowId xmlns:a16="http://schemas.microsoft.com/office/drawing/2014/main" val="4112678796"/>
+                  </a:ext>
+                </a:extLst>
+              </a:tr>
+              <a:tr h="216000">
+                <a:tc>
+                  <a:txBody>
+                    <a:bodyPr/>
+                    <a:lstStyle/>
+                    <a:p>
+                      <a:pPr algn="ctr"/>
+                      <a:r>
+                        <a:rPr lang="es-EC" sz="1100" b="1" dirty="0" err="1">
+                          <a:latin typeface="Arial" panose="020B0604020202020204" pitchFamily="34" charset="0"/>
+                          <a:cs typeface="Arial" panose="020B0604020202020204" pitchFamily="34" charset="0"/>
+                        </a:rPr>
+                        <a:t>fk</a:t>
+                      </a:r>
+                      <a:endParaRPr lang="es-EC" sz="1100" b="1" dirty="0">
+                        <a:latin typeface="Arial" panose="020B0604020202020204" pitchFamily="34" charset="0"/>
+                        <a:cs typeface="Arial" panose="020B0604020202020204" pitchFamily="34" charset="0"/>
+                      </a:endParaRPr>
+                    </a:p>
+                  </a:txBody>
+                  <a:tcPr>
+                    <a:lnL w="6350" cap="flat" cmpd="sng" algn="ctr">
+                      <a:solidFill>
+                        <a:schemeClr val="tx1"/>
+                      </a:solidFill>
+                      <a:prstDash val="solid"/>
+                      <a:round/>
+                      <a:headEnd type="none" w="med" len="med"/>
+                      <a:tailEnd type="none" w="med" len="med"/>
+                    </a:lnL>
+                    <a:lnR w="6350" cap="flat" cmpd="sng" algn="ctr">
+                      <a:solidFill>
+                        <a:schemeClr val="tx1"/>
+                      </a:solidFill>
+                      <a:prstDash val="solid"/>
+                      <a:round/>
+                      <a:headEnd type="none" w="med" len="med"/>
+                      <a:tailEnd type="none" w="med" len="med"/>
+                    </a:lnR>
+                    <a:lnT w="6350" cap="flat" cmpd="sng" algn="ctr">
+                      <a:solidFill>
+                        <a:schemeClr val="tx1"/>
+                      </a:solidFill>
+                      <a:prstDash val="solid"/>
+                      <a:round/>
+                      <a:headEnd type="none" w="med" len="med"/>
+                      <a:tailEnd type="none" w="med" len="med"/>
+                    </a:lnT>
+                    <a:lnB w="6350" cap="flat" cmpd="sng" algn="ctr">
+                      <a:solidFill>
+                        <a:schemeClr val="tx1"/>
+                      </a:solidFill>
+                      <a:prstDash val="solid"/>
+                      <a:round/>
+                      <a:headEnd type="none" w="med" len="med"/>
+                      <a:tailEnd type="none" w="med" len="med"/>
+                    </a:lnB>
+                    <a:lnTlToBr w="12700" cmpd="sng">
+                      <a:noFill/>
+                      <a:prstDash val="solid"/>
+                    </a:lnTlToBr>
+                    <a:lnBlToTr w="12700" cmpd="sng">
+                      <a:noFill/>
+                      <a:prstDash val="solid"/>
+                    </a:lnBlToTr>
+                  </a:tcPr>
+                </a:tc>
+                <a:tc>
+                  <a:txBody>
+                    <a:bodyPr/>
+                    <a:lstStyle/>
+                    <a:p>
+                      <a:pPr algn="ctr"/>
+                      <a:r>
+                        <a:rPr lang="es-EC" sz="1100" b="1" dirty="0" err="1">
+                          <a:latin typeface="Arial" panose="020B0604020202020204" pitchFamily="34" charset="0"/>
+                          <a:cs typeface="Arial" panose="020B0604020202020204" pitchFamily="34" charset="0"/>
+                        </a:rPr>
+                        <a:t>horse_id</a:t>
+                      </a:r>
+                      <a:endParaRPr lang="es-EC" sz="1100" b="1" dirty="0">
+                        <a:latin typeface="Arial" panose="020B0604020202020204" pitchFamily="34" charset="0"/>
+                        <a:cs typeface="Arial" panose="020B0604020202020204" pitchFamily="34" charset="0"/>
+                      </a:endParaRPr>
+                    </a:p>
+                  </a:txBody>
+                  <a:tcPr>
+                    <a:lnL w="6350" cap="flat" cmpd="sng" algn="ctr">
+                      <a:solidFill>
+                        <a:schemeClr val="tx1"/>
+                      </a:solidFill>
+                      <a:prstDash val="solid"/>
+                      <a:round/>
+                      <a:headEnd type="none" w="med" len="med"/>
+                      <a:tailEnd type="none" w="med" len="med"/>
+                    </a:lnL>
+                    <a:lnR w="6350" cap="flat" cmpd="sng" algn="ctr">
+                      <a:solidFill>
+                        <a:schemeClr val="tx1"/>
+                      </a:solidFill>
+                      <a:prstDash val="solid"/>
+                      <a:round/>
+                      <a:headEnd type="none" w="med" len="med"/>
+                      <a:tailEnd type="none" w="med" len="med"/>
+                    </a:lnR>
+                    <a:lnT w="6350" cap="flat" cmpd="sng" algn="ctr">
+                      <a:solidFill>
+                        <a:schemeClr val="tx1"/>
+                      </a:solidFill>
+                      <a:prstDash val="solid"/>
+                      <a:round/>
+                      <a:headEnd type="none" w="med" len="med"/>
+                      <a:tailEnd type="none" w="med" len="med"/>
+                    </a:lnT>
+                    <a:lnB w="6350" cap="flat" cmpd="sng" algn="ctr">
+                      <a:solidFill>
+                        <a:schemeClr val="tx1"/>
+                      </a:solidFill>
+                      <a:prstDash val="solid"/>
+                      <a:round/>
+                      <a:headEnd type="none" w="med" len="med"/>
+                      <a:tailEnd type="none" w="med" len="med"/>
+                    </a:lnB>
+                    <a:lnTlToBr w="12700" cmpd="sng">
+                      <a:noFill/>
+                      <a:prstDash val="solid"/>
+                    </a:lnTlToBr>
+                    <a:lnBlToTr w="12700" cmpd="sng">
+                      <a:noFill/>
+                      <a:prstDash val="solid"/>
+                    </a:lnBlToTr>
+                  </a:tcPr>
+                </a:tc>
+                <a:extLst>
+                  <a:ext uri="{0D108BD9-81ED-4DB2-BD59-A6C34878D82A}">
+                    <a16:rowId xmlns:a16="http://schemas.microsoft.com/office/drawing/2014/main" val="1220413991"/>
+                  </a:ext>
+                </a:extLst>
+              </a:tr>
+              <a:tr h="288000">
+                <a:tc>
+                  <a:txBody>
+                    <a:bodyPr/>
+                    <a:lstStyle/>
+                    <a:p>
+                      <a:pPr algn="ctr"/>
+                      <a:r>
+                        <a:rPr lang="es-EC" sz="1100" b="1" dirty="0" err="1">
+                          <a:latin typeface="Arial" panose="020B0604020202020204" pitchFamily="34" charset="0"/>
+                          <a:cs typeface="Arial" panose="020B0604020202020204" pitchFamily="34" charset="0"/>
+                        </a:rPr>
+                        <a:t>fk</a:t>
+                      </a:r>
+                      <a:endParaRPr lang="es-EC" sz="1100" b="1" dirty="0">
+                        <a:latin typeface="Arial" panose="020B0604020202020204" pitchFamily="34" charset="0"/>
+                        <a:cs typeface="Arial" panose="020B0604020202020204" pitchFamily="34" charset="0"/>
+                      </a:endParaRPr>
+                    </a:p>
+                  </a:txBody>
+                  <a:tcPr>
+                    <a:lnL w="6350" cap="flat" cmpd="sng" algn="ctr">
+                      <a:solidFill>
+                        <a:schemeClr val="tx1"/>
+                      </a:solidFill>
+                      <a:prstDash val="solid"/>
+                      <a:round/>
+                      <a:headEnd type="none" w="med" len="med"/>
+                      <a:tailEnd type="none" w="med" len="med"/>
+                    </a:lnL>
+                    <a:lnR w="6350" cap="flat" cmpd="sng" algn="ctr">
+                      <a:solidFill>
+                        <a:schemeClr val="tx1"/>
+                      </a:solidFill>
+                      <a:prstDash val="solid"/>
+                      <a:round/>
+                      <a:headEnd type="none" w="med" len="med"/>
+                      <a:tailEnd type="none" w="med" len="med"/>
+                    </a:lnR>
+                    <a:lnT w="6350" cap="flat" cmpd="sng" algn="ctr">
+                      <a:solidFill>
+                        <a:schemeClr val="tx1"/>
+                      </a:solidFill>
+                      <a:prstDash val="solid"/>
+                      <a:round/>
+                      <a:headEnd type="none" w="med" len="med"/>
+                      <a:tailEnd type="none" w="med" len="med"/>
+                    </a:lnT>
+                    <a:lnB w="6350" cap="flat" cmpd="sng" algn="ctr">
+                      <a:solidFill>
+                        <a:schemeClr val="tx1"/>
+                      </a:solidFill>
+                      <a:prstDash val="solid"/>
+                      <a:round/>
+                      <a:headEnd type="none" w="med" len="med"/>
+                      <a:tailEnd type="none" w="med" len="med"/>
+                    </a:lnB>
+                    <a:lnTlToBr w="12700" cmpd="sng">
+                      <a:noFill/>
+                      <a:prstDash val="solid"/>
+                    </a:lnTlToBr>
+                    <a:lnBlToTr w="12700" cmpd="sng">
+                      <a:noFill/>
+                      <a:prstDash val="solid"/>
+                    </a:lnBlToTr>
+                  </a:tcPr>
+                </a:tc>
+                <a:tc>
+                  <a:txBody>
+                    <a:bodyPr/>
+                    <a:lstStyle/>
+                    <a:p>
+                      <a:pPr algn="ctr"/>
+                      <a:r>
+                        <a:rPr lang="es-EC" sz="1100" b="1" dirty="0" err="1">
+                          <a:latin typeface="Arial" panose="020B0604020202020204" pitchFamily="34" charset="0"/>
+                          <a:cs typeface="Arial" panose="020B0604020202020204" pitchFamily="34" charset="0"/>
+                        </a:rPr>
+                        <a:t>user_id</a:t>
+                      </a:r>
+                      <a:endParaRPr lang="es-EC" sz="1100" b="1" dirty="0">
+                        <a:latin typeface="Arial" panose="020B0604020202020204" pitchFamily="34" charset="0"/>
+                        <a:cs typeface="Arial" panose="020B0604020202020204" pitchFamily="34" charset="0"/>
+                      </a:endParaRPr>
+                    </a:p>
+                  </a:txBody>
+                  <a:tcPr>
+                    <a:lnL w="6350" cap="flat" cmpd="sng" algn="ctr">
+                      <a:solidFill>
+                        <a:schemeClr val="tx1"/>
+                      </a:solidFill>
+                      <a:prstDash val="solid"/>
+                      <a:round/>
+                      <a:headEnd type="none" w="med" len="med"/>
+                      <a:tailEnd type="none" w="med" len="med"/>
+                    </a:lnL>
+                    <a:lnR w="6350" cap="flat" cmpd="sng" algn="ctr">
+                      <a:solidFill>
+                        <a:schemeClr val="tx1"/>
+                      </a:solidFill>
+                      <a:prstDash val="solid"/>
+                      <a:round/>
+                      <a:headEnd type="none" w="med" len="med"/>
+                      <a:tailEnd type="none" w="med" len="med"/>
+                    </a:lnR>
+                    <a:lnT w="6350" cap="flat" cmpd="sng" algn="ctr">
+                      <a:solidFill>
+                        <a:schemeClr val="tx1"/>
+                      </a:solidFill>
+                      <a:prstDash val="solid"/>
+                      <a:round/>
+                      <a:headEnd type="none" w="med" len="med"/>
+                      <a:tailEnd type="none" w="med" len="med"/>
+                    </a:lnT>
+                    <a:lnB w="6350" cap="flat" cmpd="sng" algn="ctr">
+                      <a:solidFill>
+                        <a:schemeClr val="tx1"/>
+                      </a:solidFill>
+                      <a:prstDash val="solid"/>
+                      <a:round/>
+                      <a:headEnd type="none" w="med" len="med"/>
+                      <a:tailEnd type="none" w="med" len="med"/>
+                    </a:lnB>
+                    <a:lnTlToBr w="12700" cmpd="sng">
+                      <a:noFill/>
+                      <a:prstDash val="solid"/>
+                    </a:lnTlToBr>
+                    <a:lnBlToTr w="12700" cmpd="sng">
+                      <a:noFill/>
+                      <a:prstDash val="solid"/>
+                    </a:lnBlToTr>
+                  </a:tcPr>
+                </a:tc>
+                <a:extLst>
+                  <a:ext uri="{0D108BD9-81ED-4DB2-BD59-A6C34878D82A}">
+                    <a16:rowId xmlns:a16="http://schemas.microsoft.com/office/drawing/2014/main" val="2180896401"/>
+                  </a:ext>
+                </a:extLst>
+              </a:tr>
+              <a:tr h="288000">
+                <a:tc>
+                  <a:txBody>
+                    <a:bodyPr/>
+                    <a:lstStyle/>
+                    <a:p>
+                      <a:pPr algn="ctr"/>
+                      <a:endParaRPr lang="es-EC" sz="1100" b="1" dirty="0">
+                        <a:latin typeface="Arial" panose="020B0604020202020204" pitchFamily="34" charset="0"/>
+                        <a:cs typeface="Arial" panose="020B0604020202020204" pitchFamily="34" charset="0"/>
+                      </a:endParaRPr>
+                    </a:p>
+                  </a:txBody>
+                  <a:tcPr>
+                    <a:lnL w="6350" cap="flat" cmpd="sng" algn="ctr">
+                      <a:solidFill>
+                        <a:schemeClr val="tx1"/>
+                      </a:solidFill>
+                      <a:prstDash val="solid"/>
+                      <a:round/>
+                      <a:headEnd type="none" w="med" len="med"/>
+                      <a:tailEnd type="none" w="med" len="med"/>
+                    </a:lnL>
+                    <a:lnR w="6350" cap="flat" cmpd="sng" algn="ctr">
+                      <a:solidFill>
+                        <a:schemeClr val="tx1"/>
+                      </a:solidFill>
+                      <a:prstDash val="solid"/>
+                      <a:round/>
+                      <a:headEnd type="none" w="med" len="med"/>
+                      <a:tailEnd type="none" w="med" len="med"/>
+                    </a:lnR>
+                    <a:lnT w="6350" cap="flat" cmpd="sng" algn="ctr">
+                      <a:solidFill>
+                        <a:schemeClr val="tx1"/>
+                      </a:solidFill>
+                      <a:prstDash val="solid"/>
+                      <a:round/>
+                      <a:headEnd type="none" w="med" len="med"/>
+                      <a:tailEnd type="none" w="med" len="med"/>
+                    </a:lnT>
+                    <a:lnB w="6350" cap="flat" cmpd="sng" algn="ctr">
+                      <a:solidFill>
+                        <a:schemeClr val="tx1"/>
+                      </a:solidFill>
+                      <a:prstDash val="solid"/>
+                      <a:round/>
+                      <a:headEnd type="none" w="med" len="med"/>
+                      <a:tailEnd type="none" w="med" len="med"/>
+                    </a:lnB>
+                    <a:lnTlToBr w="12700" cmpd="sng">
+                      <a:noFill/>
+                      <a:prstDash val="solid"/>
+                    </a:lnTlToBr>
+                    <a:lnBlToTr w="12700" cmpd="sng">
+                      <a:noFill/>
+                      <a:prstDash val="solid"/>
+                    </a:lnBlToTr>
+                  </a:tcPr>
+                </a:tc>
+                <a:tc>
+                  <a:txBody>
+                    <a:bodyPr/>
+                    <a:lstStyle/>
+                    <a:p>
+                      <a:pPr algn="ctr"/>
+                      <a:r>
+                        <a:rPr lang="es-EC" sz="1100" b="0" dirty="0" err="1">
+                          <a:latin typeface="Arial" panose="020B0604020202020204" pitchFamily="34" charset="0"/>
+                          <a:cs typeface="Arial" panose="020B0604020202020204" pitchFamily="34" charset="0"/>
+                        </a:rPr>
+                        <a:t>class</a:t>
+                      </a:r>
+                      <a:endParaRPr lang="es-EC" sz="1100" b="0" dirty="0">
+                        <a:latin typeface="Arial" panose="020B0604020202020204" pitchFamily="34" charset="0"/>
+                        <a:cs typeface="Arial" panose="020B0604020202020204" pitchFamily="34" charset="0"/>
+                      </a:endParaRPr>
+                    </a:p>
+                  </a:txBody>
+                  <a:tcPr>
+                    <a:lnL w="6350" cap="flat" cmpd="sng" algn="ctr">
+                      <a:solidFill>
+                        <a:schemeClr val="tx1"/>
+                      </a:solidFill>
+                      <a:prstDash val="solid"/>
+                      <a:round/>
+                      <a:headEnd type="none" w="med" len="med"/>
+                      <a:tailEnd type="none" w="med" len="med"/>
+                    </a:lnL>
+                    <a:lnR w="6350" cap="flat" cmpd="sng" algn="ctr">
+                      <a:solidFill>
+                        <a:schemeClr val="tx1"/>
+                      </a:solidFill>
+                      <a:prstDash val="solid"/>
+                      <a:round/>
+                      <a:headEnd type="none" w="med" len="med"/>
+                      <a:tailEnd type="none" w="med" len="med"/>
+                    </a:lnR>
+                    <a:lnT w="6350" cap="flat" cmpd="sng" algn="ctr">
+                      <a:solidFill>
+                        <a:schemeClr val="tx1"/>
+                      </a:solidFill>
+                      <a:prstDash val="solid"/>
+                      <a:round/>
+                      <a:headEnd type="none" w="med" len="med"/>
+                      <a:tailEnd type="none" w="med" len="med"/>
+                    </a:lnT>
+                    <a:lnB w="6350" cap="flat" cmpd="sng" algn="ctr">
+                      <a:solidFill>
+                        <a:schemeClr val="tx1"/>
+                      </a:solidFill>
+                      <a:prstDash val="solid"/>
+                      <a:round/>
+                      <a:headEnd type="none" w="med" len="med"/>
+                      <a:tailEnd type="none" w="med" len="med"/>
+                    </a:lnB>
+                    <a:lnTlToBr w="12700" cmpd="sng">
+                      <a:noFill/>
+                      <a:prstDash val="solid"/>
+                    </a:lnTlToBr>
+                    <a:lnBlToTr w="12700" cmpd="sng">
+                      <a:noFill/>
+                      <a:prstDash val="solid"/>
+                    </a:lnBlToTr>
+                  </a:tcPr>
+                </a:tc>
+                <a:extLst>
+                  <a:ext uri="{0D108BD9-81ED-4DB2-BD59-A6C34878D82A}">
+                    <a16:rowId xmlns:a16="http://schemas.microsoft.com/office/drawing/2014/main" val="2798956966"/>
+                  </a:ext>
+                </a:extLst>
+              </a:tr>
+            </a:tbl>
+          </a:graphicData>
+        </a:graphic>
+      </p:graphicFrame>
+      <p:grpSp>
+        <p:nvGrpSpPr>
+          <p:cNvPr id="8" name="Grupo 7">
+            <a:extLst>
+              <a:ext uri="{FF2B5EF4-FFF2-40B4-BE49-F238E27FC236}">
+                <a16:creationId xmlns:a16="http://schemas.microsoft.com/office/drawing/2014/main" id="{5034524B-D5C6-61E9-D583-717CD4B49FC6}"/>
+              </a:ext>
+            </a:extLst>
+          </p:cNvPr>
+          <p:cNvGrpSpPr/>
+          <p:nvPr/>
+        </p:nvGrpSpPr>
+        <p:grpSpPr>
+          <a:xfrm>
+            <a:off x="1021893" y="473037"/>
+            <a:ext cx="374732" cy="180000"/>
+            <a:chOff x="10789001" y="1752746"/>
+            <a:chExt cx="374732" cy="180000"/>
+          </a:xfrm>
+        </p:grpSpPr>
+        <p:sp>
+          <p:nvSpPr>
+            <p:cNvPr id="9" name="Elipse 8">
+              <a:extLst>
+                <a:ext uri="{FF2B5EF4-FFF2-40B4-BE49-F238E27FC236}">
+                  <a16:creationId xmlns:a16="http://schemas.microsoft.com/office/drawing/2014/main" id="{DC15047A-8516-378E-D4EE-13CB8F8BA257}"/>
+                </a:ext>
+              </a:extLst>
+            </p:cNvPr>
+            <p:cNvSpPr/>
+            <p:nvPr/>
+          </p:nvSpPr>
+          <p:spPr>
+            <a:xfrm>
+              <a:off x="10983733" y="1752746"/>
+              <a:ext cx="180000" cy="180000"/>
+            </a:xfrm>
+            <a:prstGeom prst="ellipse">
+              <a:avLst/>
+            </a:prstGeom>
+            <a:noFill/>
+            <a:ln w="12700">
+              <a:solidFill>
+                <a:schemeClr val="tx1"/>
+              </a:solidFill>
+            </a:ln>
+          </p:spPr>
+          <p:style>
+            <a:lnRef idx="2">
+              <a:schemeClr val="accent1">
+                <a:shade val="50000"/>
+              </a:schemeClr>
+            </a:lnRef>
+            <a:fillRef idx="1">
+              <a:schemeClr val="accent1"/>
+            </a:fillRef>
+            <a:effectRef idx="0">
+              <a:schemeClr val="accent1"/>
+            </a:effectRef>
+            <a:fontRef idx="minor">
+              <a:schemeClr val="lt1"/>
+            </a:fontRef>
+          </p:style>
+          <p:txBody>
+            <a:bodyPr rtlCol="0" anchor="ctr"/>
+            <a:lstStyle/>
+            <a:p>
+              <a:pPr algn="ctr"/>
+              <a:endParaRPr lang="es-EC"/>
+            </a:p>
+          </p:txBody>
+        </p:sp>
+        <p:cxnSp>
+          <p:nvCxnSpPr>
+            <p:cNvPr id="10" name="Conector recto 9">
+              <a:extLst>
+                <a:ext uri="{FF2B5EF4-FFF2-40B4-BE49-F238E27FC236}">
+                  <a16:creationId xmlns:a16="http://schemas.microsoft.com/office/drawing/2014/main" id="{5A3F289F-F559-0E95-30EC-E394A91A6DD3}"/>
+                </a:ext>
+              </a:extLst>
+            </p:cNvPr>
+            <p:cNvCxnSpPr>
+              <a:cxnSpLocks/>
+              <a:endCxn id="9" idx="2"/>
+            </p:cNvCxnSpPr>
+            <p:nvPr/>
+          </p:nvCxnSpPr>
+          <p:spPr>
+            <a:xfrm>
+              <a:off x="10789001" y="1842746"/>
+              <a:ext cx="194732" cy="0"/>
+            </a:xfrm>
+            <a:prstGeom prst="line">
+              <a:avLst/>
+            </a:prstGeom>
+            <a:ln w="12700">
+              <a:solidFill>
+                <a:schemeClr val="tx1"/>
+              </a:solidFill>
+            </a:ln>
+          </p:spPr>
+          <p:style>
+            <a:lnRef idx="1">
+              <a:schemeClr val="accent1"/>
+            </a:lnRef>
+            <a:fillRef idx="0">
+              <a:schemeClr val="accent1"/>
+            </a:fillRef>
+            <a:effectRef idx="0">
+              <a:schemeClr val="accent1"/>
+            </a:effectRef>
+            <a:fontRef idx="minor">
+              <a:schemeClr val="tx1"/>
+            </a:fontRef>
+          </p:style>
+        </p:cxnSp>
+        <p:cxnSp>
+          <p:nvCxnSpPr>
+            <p:cNvPr id="14" name="Conector recto 13">
+              <a:extLst>
+                <a:ext uri="{FF2B5EF4-FFF2-40B4-BE49-F238E27FC236}">
+                  <a16:creationId xmlns:a16="http://schemas.microsoft.com/office/drawing/2014/main" id="{1C19C3FC-3651-0CF3-C731-2B882C00B081}"/>
+                </a:ext>
+              </a:extLst>
+            </p:cNvPr>
+            <p:cNvCxnSpPr>
+              <a:cxnSpLocks/>
+            </p:cNvCxnSpPr>
+            <p:nvPr/>
+          </p:nvCxnSpPr>
+          <p:spPr>
+            <a:xfrm flipH="1" flipV="1">
+              <a:off x="10803733" y="1766545"/>
+              <a:ext cx="82634" cy="77973"/>
+            </a:xfrm>
+            <a:prstGeom prst="line">
+              <a:avLst/>
+            </a:prstGeom>
+            <a:ln w="12700">
+              <a:solidFill>
+                <a:schemeClr val="tx1"/>
+              </a:solidFill>
+            </a:ln>
+          </p:spPr>
+          <p:style>
+            <a:lnRef idx="1">
+              <a:schemeClr val="accent1"/>
+            </a:lnRef>
+            <a:fillRef idx="0">
+              <a:schemeClr val="accent1"/>
+            </a:fillRef>
+            <a:effectRef idx="0">
+              <a:schemeClr val="accent1"/>
+            </a:effectRef>
+            <a:fontRef idx="minor">
+              <a:schemeClr val="tx1"/>
+            </a:fontRef>
+          </p:style>
+        </p:cxnSp>
+        <p:cxnSp>
+          <p:nvCxnSpPr>
+            <p:cNvPr id="16" name="Conector recto 15">
+              <a:extLst>
+                <a:ext uri="{FF2B5EF4-FFF2-40B4-BE49-F238E27FC236}">
+                  <a16:creationId xmlns:a16="http://schemas.microsoft.com/office/drawing/2014/main" id="{61FEECD6-B723-D5B0-ED15-98F0EDB871BF}"/>
+                </a:ext>
+              </a:extLst>
+            </p:cNvPr>
+            <p:cNvCxnSpPr>
+              <a:cxnSpLocks/>
+            </p:cNvCxnSpPr>
+            <p:nvPr/>
+          </p:nvCxnSpPr>
+          <p:spPr>
+            <a:xfrm rot="16200000" flipH="1" flipV="1">
+              <a:off x="10803732" y="1845077"/>
+              <a:ext cx="82634" cy="77973"/>
+            </a:xfrm>
+            <a:prstGeom prst="line">
+              <a:avLst/>
+            </a:prstGeom>
+            <a:ln w="12700">
+              <a:solidFill>
+                <a:schemeClr val="tx1"/>
+              </a:solidFill>
+            </a:ln>
+          </p:spPr>
+          <p:style>
+            <a:lnRef idx="1">
+              <a:schemeClr val="accent1"/>
+            </a:lnRef>
+            <a:fillRef idx="0">
+              <a:schemeClr val="accent1"/>
+            </a:fillRef>
+            <a:effectRef idx="0">
+              <a:schemeClr val="accent1"/>
+            </a:effectRef>
+            <a:fontRef idx="minor">
+              <a:schemeClr val="tx1"/>
+            </a:fontRef>
+          </p:style>
+        </p:cxnSp>
+      </p:grpSp>
+      <p:grpSp>
+        <p:nvGrpSpPr>
+          <p:cNvPr id="17" name="Grupo 16">
+            <a:extLst>
+              <a:ext uri="{FF2B5EF4-FFF2-40B4-BE49-F238E27FC236}">
+                <a16:creationId xmlns:a16="http://schemas.microsoft.com/office/drawing/2014/main" id="{1960F51B-07A9-A32F-D525-D70F70FCB551}"/>
+              </a:ext>
+            </a:extLst>
+          </p:cNvPr>
+          <p:cNvGrpSpPr/>
+          <p:nvPr/>
+        </p:nvGrpSpPr>
+        <p:grpSpPr>
+          <a:xfrm flipH="1">
+            <a:off x="1791066" y="244924"/>
+            <a:ext cx="374732" cy="180000"/>
+            <a:chOff x="10789001" y="1752746"/>
+            <a:chExt cx="374732" cy="180000"/>
+          </a:xfrm>
+        </p:grpSpPr>
+        <p:sp>
+          <p:nvSpPr>
+            <p:cNvPr id="18" name="Elipse 17">
+              <a:extLst>
+                <a:ext uri="{FF2B5EF4-FFF2-40B4-BE49-F238E27FC236}">
+                  <a16:creationId xmlns:a16="http://schemas.microsoft.com/office/drawing/2014/main" id="{E526F774-8BF2-EBAE-4857-5FA5008AF770}"/>
+                </a:ext>
+              </a:extLst>
+            </p:cNvPr>
+            <p:cNvSpPr/>
+            <p:nvPr/>
+          </p:nvSpPr>
+          <p:spPr>
+            <a:xfrm>
+              <a:off x="10983733" y="1752746"/>
+              <a:ext cx="180000" cy="180000"/>
+            </a:xfrm>
+            <a:prstGeom prst="ellipse">
+              <a:avLst/>
+            </a:prstGeom>
+            <a:noFill/>
+            <a:ln w="12700">
+              <a:solidFill>
+                <a:schemeClr val="tx1"/>
+              </a:solidFill>
+            </a:ln>
+          </p:spPr>
+          <p:style>
+            <a:lnRef idx="2">
+              <a:schemeClr val="accent1">
+                <a:shade val="50000"/>
+              </a:schemeClr>
+            </a:lnRef>
+            <a:fillRef idx="1">
+              <a:schemeClr val="accent1"/>
+            </a:fillRef>
+            <a:effectRef idx="0">
+              <a:schemeClr val="accent1"/>
+            </a:effectRef>
+            <a:fontRef idx="minor">
+              <a:schemeClr val="lt1"/>
+            </a:fontRef>
+          </p:style>
+          <p:txBody>
+            <a:bodyPr rtlCol="0" anchor="ctr"/>
+            <a:lstStyle/>
+            <a:p>
+              <a:pPr algn="ctr"/>
+              <a:endParaRPr lang="en-US" dirty="0"/>
+            </a:p>
+          </p:txBody>
+        </p:sp>
+        <p:cxnSp>
+          <p:nvCxnSpPr>
+            <p:cNvPr id="20" name="Conector recto 19">
+              <a:extLst>
+                <a:ext uri="{FF2B5EF4-FFF2-40B4-BE49-F238E27FC236}">
+                  <a16:creationId xmlns:a16="http://schemas.microsoft.com/office/drawing/2014/main" id="{2819FA47-D459-2B85-C03E-27B1915E1815}"/>
+                </a:ext>
+              </a:extLst>
+            </p:cNvPr>
+            <p:cNvCxnSpPr>
+              <a:cxnSpLocks/>
+              <a:endCxn id="18" idx="2"/>
+            </p:cNvCxnSpPr>
+            <p:nvPr/>
+          </p:nvCxnSpPr>
+          <p:spPr>
+            <a:xfrm>
+              <a:off x="10789001" y="1842746"/>
+              <a:ext cx="194732" cy="0"/>
+            </a:xfrm>
+            <a:prstGeom prst="line">
+              <a:avLst/>
+            </a:prstGeom>
+            <a:ln w="12700">
+              <a:solidFill>
+                <a:schemeClr val="tx1"/>
+              </a:solidFill>
+            </a:ln>
+          </p:spPr>
+          <p:style>
+            <a:lnRef idx="1">
+              <a:schemeClr val="accent1"/>
+            </a:lnRef>
+            <a:fillRef idx="0">
+              <a:schemeClr val="accent1"/>
+            </a:fillRef>
+            <a:effectRef idx="0">
+              <a:schemeClr val="accent1"/>
+            </a:effectRef>
+            <a:fontRef idx="minor">
+              <a:schemeClr val="tx1"/>
+            </a:fontRef>
+          </p:style>
+        </p:cxnSp>
+        <p:cxnSp>
+          <p:nvCxnSpPr>
+            <p:cNvPr id="21" name="Conector recto 20">
+              <a:extLst>
+                <a:ext uri="{FF2B5EF4-FFF2-40B4-BE49-F238E27FC236}">
+                  <a16:creationId xmlns:a16="http://schemas.microsoft.com/office/drawing/2014/main" id="{CB14E235-1A22-BC28-2783-1DCDF95D9898}"/>
+                </a:ext>
+              </a:extLst>
+            </p:cNvPr>
+            <p:cNvCxnSpPr>
+              <a:cxnSpLocks/>
+            </p:cNvCxnSpPr>
+            <p:nvPr/>
+          </p:nvCxnSpPr>
+          <p:spPr>
+            <a:xfrm flipH="1" flipV="1">
+              <a:off x="10803733" y="1766545"/>
+              <a:ext cx="82634" cy="77973"/>
+            </a:xfrm>
+            <a:prstGeom prst="line">
+              <a:avLst/>
+            </a:prstGeom>
+            <a:ln w="12700">
+              <a:solidFill>
+                <a:schemeClr val="tx1"/>
+              </a:solidFill>
+            </a:ln>
+          </p:spPr>
+          <p:style>
+            <a:lnRef idx="1">
+              <a:schemeClr val="accent1"/>
+            </a:lnRef>
+            <a:fillRef idx="0">
+              <a:schemeClr val="accent1"/>
+            </a:fillRef>
+            <a:effectRef idx="0">
+              <a:schemeClr val="accent1"/>
+            </a:effectRef>
+            <a:fontRef idx="minor">
+              <a:schemeClr val="tx1"/>
+            </a:fontRef>
+          </p:style>
+        </p:cxnSp>
+        <p:cxnSp>
+          <p:nvCxnSpPr>
+            <p:cNvPr id="22" name="Conector recto 21">
+              <a:extLst>
+                <a:ext uri="{FF2B5EF4-FFF2-40B4-BE49-F238E27FC236}">
+                  <a16:creationId xmlns:a16="http://schemas.microsoft.com/office/drawing/2014/main" id="{37A56E6A-E7FF-A8E5-5347-04C6DEFBB64E}"/>
+                </a:ext>
+              </a:extLst>
+            </p:cNvPr>
+            <p:cNvCxnSpPr>
+              <a:cxnSpLocks/>
+            </p:cNvCxnSpPr>
+            <p:nvPr/>
+          </p:nvCxnSpPr>
+          <p:spPr>
+            <a:xfrm rot="16200000" flipH="1" flipV="1">
+              <a:off x="10803732" y="1845077"/>
+              <a:ext cx="82634" cy="77973"/>
+            </a:xfrm>
+            <a:prstGeom prst="line">
+              <a:avLst/>
+            </a:prstGeom>
+            <a:ln w="12700">
+              <a:solidFill>
+                <a:schemeClr val="tx1"/>
+              </a:solidFill>
+            </a:ln>
+          </p:spPr>
+          <p:style>
+            <a:lnRef idx="1">
+              <a:schemeClr val="accent1"/>
+            </a:lnRef>
+            <a:fillRef idx="0">
+              <a:schemeClr val="accent1"/>
+            </a:fillRef>
+            <a:effectRef idx="0">
+              <a:schemeClr val="accent1"/>
+            </a:effectRef>
+            <a:fontRef idx="minor">
+              <a:schemeClr val="tx1"/>
+            </a:fontRef>
+          </p:style>
+        </p:cxnSp>
+      </p:grpSp>
+      <p:grpSp>
+        <p:nvGrpSpPr>
+          <p:cNvPr id="24" name="Grupo 23">
+            <a:extLst>
+              <a:ext uri="{FF2B5EF4-FFF2-40B4-BE49-F238E27FC236}">
+                <a16:creationId xmlns:a16="http://schemas.microsoft.com/office/drawing/2014/main" id="{C7E67D98-2FCE-59A5-1992-4BD9A8BB155F}"/>
+              </a:ext>
+            </a:extLst>
+          </p:cNvPr>
+          <p:cNvGrpSpPr/>
+          <p:nvPr/>
+        </p:nvGrpSpPr>
+        <p:grpSpPr>
+          <a:xfrm flipH="1">
+            <a:off x="1837786" y="2226498"/>
+            <a:ext cx="374732" cy="180000"/>
+            <a:chOff x="10789001" y="1752746"/>
+            <a:chExt cx="374732" cy="180000"/>
+          </a:xfrm>
+        </p:grpSpPr>
+        <p:sp>
+          <p:nvSpPr>
+            <p:cNvPr id="25" name="Elipse 24">
+              <a:extLst>
+                <a:ext uri="{FF2B5EF4-FFF2-40B4-BE49-F238E27FC236}">
+                  <a16:creationId xmlns:a16="http://schemas.microsoft.com/office/drawing/2014/main" id="{79AC7EB8-5773-04CD-0D5A-D9BBF2F55A3E}"/>
+                </a:ext>
+              </a:extLst>
+            </p:cNvPr>
+            <p:cNvSpPr/>
+            <p:nvPr/>
+          </p:nvSpPr>
+          <p:spPr>
+            <a:xfrm>
+              <a:off x="10983733" y="1752746"/>
+              <a:ext cx="180000" cy="180000"/>
+            </a:xfrm>
+            <a:prstGeom prst="ellipse">
+              <a:avLst/>
+            </a:prstGeom>
+            <a:noFill/>
+            <a:ln w="12700">
+              <a:solidFill>
+                <a:schemeClr val="tx1"/>
+              </a:solidFill>
+            </a:ln>
+          </p:spPr>
+          <p:style>
+            <a:lnRef idx="2">
+              <a:schemeClr val="accent1">
+                <a:shade val="50000"/>
+              </a:schemeClr>
+            </a:lnRef>
+            <a:fillRef idx="1">
+              <a:schemeClr val="accent1"/>
+            </a:fillRef>
+            <a:effectRef idx="0">
+              <a:schemeClr val="accent1"/>
+            </a:effectRef>
+            <a:fontRef idx="minor">
+              <a:schemeClr val="lt1"/>
+            </a:fontRef>
+          </p:style>
+          <p:txBody>
+            <a:bodyPr rtlCol="0" anchor="ctr"/>
+            <a:lstStyle/>
+            <a:p>
+              <a:pPr algn="ctr"/>
+              <a:endParaRPr lang="en-US" dirty="0"/>
+            </a:p>
+          </p:txBody>
+        </p:sp>
+        <p:cxnSp>
+          <p:nvCxnSpPr>
+            <p:cNvPr id="26" name="Conector recto 25">
+              <a:extLst>
+                <a:ext uri="{FF2B5EF4-FFF2-40B4-BE49-F238E27FC236}">
+                  <a16:creationId xmlns:a16="http://schemas.microsoft.com/office/drawing/2014/main" id="{07FCAEC3-4616-9AED-A985-FE40DDC6E847}"/>
+                </a:ext>
+              </a:extLst>
+            </p:cNvPr>
+            <p:cNvCxnSpPr>
+              <a:cxnSpLocks/>
+              <a:endCxn id="25" idx="2"/>
+            </p:cNvCxnSpPr>
+            <p:nvPr/>
+          </p:nvCxnSpPr>
+          <p:spPr>
+            <a:xfrm>
+              <a:off x="10789001" y="1842746"/>
+              <a:ext cx="194732" cy="0"/>
+            </a:xfrm>
+            <a:prstGeom prst="line">
+              <a:avLst/>
+            </a:prstGeom>
+            <a:ln w="12700">
+              <a:solidFill>
+                <a:schemeClr val="tx1"/>
+              </a:solidFill>
+            </a:ln>
+          </p:spPr>
+          <p:style>
+            <a:lnRef idx="1">
+              <a:schemeClr val="accent1"/>
+            </a:lnRef>
+            <a:fillRef idx="0">
+              <a:schemeClr val="accent1"/>
+            </a:fillRef>
+            <a:effectRef idx="0">
+              <a:schemeClr val="accent1"/>
+            </a:effectRef>
+            <a:fontRef idx="minor">
+              <a:schemeClr val="tx1"/>
+            </a:fontRef>
+          </p:style>
+        </p:cxnSp>
+        <p:cxnSp>
+          <p:nvCxnSpPr>
+            <p:cNvPr id="37" name="Conector recto 36">
+              <a:extLst>
+                <a:ext uri="{FF2B5EF4-FFF2-40B4-BE49-F238E27FC236}">
+                  <a16:creationId xmlns:a16="http://schemas.microsoft.com/office/drawing/2014/main" id="{4BE59013-B9F8-961D-C326-78193BD91610}"/>
+                </a:ext>
+              </a:extLst>
+            </p:cNvPr>
+            <p:cNvCxnSpPr>
+              <a:cxnSpLocks/>
+            </p:cNvCxnSpPr>
+            <p:nvPr/>
+          </p:nvCxnSpPr>
+          <p:spPr>
+            <a:xfrm flipH="1" flipV="1">
+              <a:off x="10803733" y="1766545"/>
+              <a:ext cx="82634" cy="77973"/>
+            </a:xfrm>
+            <a:prstGeom prst="line">
+              <a:avLst/>
+            </a:prstGeom>
+            <a:ln w="12700">
+              <a:solidFill>
+                <a:schemeClr val="tx1"/>
+              </a:solidFill>
+            </a:ln>
+          </p:spPr>
+          <p:style>
+            <a:lnRef idx="1">
+              <a:schemeClr val="accent1"/>
+            </a:lnRef>
+            <a:fillRef idx="0">
+              <a:schemeClr val="accent1"/>
+            </a:fillRef>
+            <a:effectRef idx="0">
+              <a:schemeClr val="accent1"/>
+            </a:effectRef>
+            <a:fontRef idx="minor">
+              <a:schemeClr val="tx1"/>
+            </a:fontRef>
+          </p:style>
+        </p:cxnSp>
+        <p:cxnSp>
+          <p:nvCxnSpPr>
+            <p:cNvPr id="40" name="Conector recto 39">
+              <a:extLst>
+                <a:ext uri="{FF2B5EF4-FFF2-40B4-BE49-F238E27FC236}">
+                  <a16:creationId xmlns:a16="http://schemas.microsoft.com/office/drawing/2014/main" id="{89661E3C-9277-21C6-A5D6-24F6649EA762}"/>
+                </a:ext>
+              </a:extLst>
+            </p:cNvPr>
+            <p:cNvCxnSpPr>
+              <a:cxnSpLocks/>
+            </p:cNvCxnSpPr>
+            <p:nvPr/>
+          </p:nvCxnSpPr>
+          <p:spPr>
+            <a:xfrm rot="16200000" flipH="1" flipV="1">
+              <a:off x="10803732" y="1845077"/>
+              <a:ext cx="82634" cy="77973"/>
+            </a:xfrm>
+            <a:prstGeom prst="line">
+              <a:avLst/>
+            </a:prstGeom>
+            <a:ln w="12700">
+              <a:solidFill>
+                <a:schemeClr val="tx1"/>
+              </a:solidFill>
+            </a:ln>
+          </p:spPr>
+          <p:style>
+            <a:lnRef idx="1">
+              <a:schemeClr val="accent1"/>
+            </a:lnRef>
+            <a:fillRef idx="0">
+              <a:schemeClr val="accent1"/>
+            </a:fillRef>
+            <a:effectRef idx="0">
+              <a:schemeClr val="accent1"/>
+            </a:effectRef>
+            <a:fontRef idx="minor">
+              <a:schemeClr val="tx1"/>
+            </a:fontRef>
+          </p:style>
+        </p:cxnSp>
+      </p:grpSp>
+      <p:grpSp>
+        <p:nvGrpSpPr>
+          <p:cNvPr id="41" name="Grupo 40">
+            <a:extLst>
+              <a:ext uri="{FF2B5EF4-FFF2-40B4-BE49-F238E27FC236}">
+                <a16:creationId xmlns:a16="http://schemas.microsoft.com/office/drawing/2014/main" id="{FED0E79C-AC9D-A967-4234-40BEB6D8D7F6}"/>
+              </a:ext>
+            </a:extLst>
+          </p:cNvPr>
+          <p:cNvGrpSpPr/>
+          <p:nvPr/>
+        </p:nvGrpSpPr>
+        <p:grpSpPr>
+          <a:xfrm flipH="1">
+            <a:off x="1831685" y="2491508"/>
+            <a:ext cx="374732" cy="180000"/>
+            <a:chOff x="10789001" y="1752746"/>
+            <a:chExt cx="374732" cy="180000"/>
+          </a:xfrm>
+        </p:grpSpPr>
+        <p:sp>
+          <p:nvSpPr>
+            <p:cNvPr id="52" name="Elipse 51">
+              <a:extLst>
+                <a:ext uri="{FF2B5EF4-FFF2-40B4-BE49-F238E27FC236}">
+                  <a16:creationId xmlns:a16="http://schemas.microsoft.com/office/drawing/2014/main" id="{2F066E40-B2F7-019B-7055-A857BAA31EE2}"/>
+                </a:ext>
+              </a:extLst>
+            </p:cNvPr>
+            <p:cNvSpPr/>
+            <p:nvPr/>
+          </p:nvSpPr>
+          <p:spPr>
+            <a:xfrm>
+              <a:off x="10983733" y="1752746"/>
+              <a:ext cx="180000" cy="180000"/>
+            </a:xfrm>
+            <a:prstGeom prst="ellipse">
+              <a:avLst/>
+            </a:prstGeom>
+            <a:noFill/>
+            <a:ln w="12700">
+              <a:solidFill>
+                <a:schemeClr val="tx1"/>
+              </a:solidFill>
+            </a:ln>
+          </p:spPr>
+          <p:style>
+            <a:lnRef idx="2">
+              <a:schemeClr val="accent1">
+                <a:shade val="50000"/>
+              </a:schemeClr>
+            </a:lnRef>
+            <a:fillRef idx="1">
+              <a:schemeClr val="accent1"/>
+            </a:fillRef>
+            <a:effectRef idx="0">
+              <a:schemeClr val="accent1"/>
+            </a:effectRef>
+            <a:fontRef idx="minor">
+              <a:schemeClr val="lt1"/>
+            </a:fontRef>
+          </p:style>
+          <p:txBody>
+            <a:bodyPr rtlCol="0" anchor="ctr"/>
+            <a:lstStyle/>
+            <a:p>
+              <a:pPr algn="ctr"/>
+              <a:endParaRPr lang="en-US" dirty="0"/>
+            </a:p>
+          </p:txBody>
+        </p:sp>
+        <p:cxnSp>
+          <p:nvCxnSpPr>
+            <p:cNvPr id="53" name="Conector recto 52">
+              <a:extLst>
+                <a:ext uri="{FF2B5EF4-FFF2-40B4-BE49-F238E27FC236}">
+                  <a16:creationId xmlns:a16="http://schemas.microsoft.com/office/drawing/2014/main" id="{4ECB5DF5-D981-4354-5BB9-8E0F681040FB}"/>
+                </a:ext>
+              </a:extLst>
+            </p:cNvPr>
+            <p:cNvCxnSpPr>
+              <a:cxnSpLocks/>
+              <a:endCxn id="52" idx="2"/>
+            </p:cNvCxnSpPr>
+            <p:nvPr/>
+          </p:nvCxnSpPr>
+          <p:spPr>
+            <a:xfrm>
+              <a:off x="10789001" y="1842746"/>
+              <a:ext cx="194732" cy="0"/>
+            </a:xfrm>
+            <a:prstGeom prst="line">
+              <a:avLst/>
+            </a:prstGeom>
+            <a:ln w="12700">
+              <a:solidFill>
+                <a:schemeClr val="tx1"/>
+              </a:solidFill>
+            </a:ln>
+          </p:spPr>
+          <p:style>
+            <a:lnRef idx="1">
+              <a:schemeClr val="accent1"/>
+            </a:lnRef>
+            <a:fillRef idx="0">
+              <a:schemeClr val="accent1"/>
+            </a:fillRef>
+            <a:effectRef idx="0">
+              <a:schemeClr val="accent1"/>
+            </a:effectRef>
+            <a:fontRef idx="minor">
+              <a:schemeClr val="tx1"/>
+            </a:fontRef>
+          </p:style>
+        </p:cxnSp>
+        <p:cxnSp>
+          <p:nvCxnSpPr>
+            <p:cNvPr id="56" name="Conector recto 55">
+              <a:extLst>
+                <a:ext uri="{FF2B5EF4-FFF2-40B4-BE49-F238E27FC236}">
+                  <a16:creationId xmlns:a16="http://schemas.microsoft.com/office/drawing/2014/main" id="{B1E9E162-055A-7643-A01E-D67EF05DD40A}"/>
+                </a:ext>
+              </a:extLst>
+            </p:cNvPr>
+            <p:cNvCxnSpPr>
+              <a:cxnSpLocks/>
+            </p:cNvCxnSpPr>
+            <p:nvPr/>
+          </p:nvCxnSpPr>
+          <p:spPr>
+            <a:xfrm flipH="1" flipV="1">
+              <a:off x="10803733" y="1766545"/>
+              <a:ext cx="82634" cy="77973"/>
+            </a:xfrm>
+            <a:prstGeom prst="line">
+              <a:avLst/>
+            </a:prstGeom>
+            <a:ln w="12700">
+              <a:solidFill>
+                <a:schemeClr val="tx1"/>
+              </a:solidFill>
+            </a:ln>
+          </p:spPr>
+          <p:style>
+            <a:lnRef idx="1">
+              <a:schemeClr val="accent1"/>
+            </a:lnRef>
+            <a:fillRef idx="0">
+              <a:schemeClr val="accent1"/>
+            </a:fillRef>
+            <a:effectRef idx="0">
+              <a:schemeClr val="accent1"/>
+            </a:effectRef>
+            <a:fontRef idx="minor">
+              <a:schemeClr val="tx1"/>
+            </a:fontRef>
+          </p:style>
+        </p:cxnSp>
+        <p:cxnSp>
+          <p:nvCxnSpPr>
+            <p:cNvPr id="57" name="Conector recto 56">
+              <a:extLst>
+                <a:ext uri="{FF2B5EF4-FFF2-40B4-BE49-F238E27FC236}">
+                  <a16:creationId xmlns:a16="http://schemas.microsoft.com/office/drawing/2014/main" id="{B561A24F-A6C3-3C88-AC22-26B3177CDE79}"/>
+                </a:ext>
+              </a:extLst>
+            </p:cNvPr>
+            <p:cNvCxnSpPr>
+              <a:cxnSpLocks/>
+            </p:cNvCxnSpPr>
+            <p:nvPr/>
+          </p:nvCxnSpPr>
+          <p:spPr>
+            <a:xfrm rot="16200000" flipH="1" flipV="1">
+              <a:off x="10803732" y="1845077"/>
+              <a:ext cx="82634" cy="77973"/>
+            </a:xfrm>
+            <a:prstGeom prst="line">
+              <a:avLst/>
+            </a:prstGeom>
+            <a:ln w="12700">
+              <a:solidFill>
+                <a:schemeClr val="tx1"/>
+              </a:solidFill>
+            </a:ln>
+          </p:spPr>
+          <p:style>
+            <a:lnRef idx="1">
+              <a:schemeClr val="accent1"/>
+            </a:lnRef>
+            <a:fillRef idx="0">
+              <a:schemeClr val="accent1"/>
+            </a:fillRef>
+            <a:effectRef idx="0">
+              <a:schemeClr val="accent1"/>
+            </a:effectRef>
+            <a:fontRef idx="minor">
+              <a:schemeClr val="tx1"/>
+            </a:fontRef>
+          </p:style>
+        </p:cxnSp>
+      </p:grpSp>
+      <p:cxnSp>
+        <p:nvCxnSpPr>
+          <p:cNvPr id="68" name="Conector: angular 67">
+            <a:extLst>
+              <a:ext uri="{FF2B5EF4-FFF2-40B4-BE49-F238E27FC236}">
+                <a16:creationId xmlns:a16="http://schemas.microsoft.com/office/drawing/2014/main" id="{915697B7-BD13-7745-0D5D-C0F75E9A6A0F}"/>
+              </a:ext>
+            </a:extLst>
+          </p:cNvPr>
+          <p:cNvCxnSpPr>
+            <a:cxnSpLocks/>
+            <a:stCxn id="18" idx="6"/>
+            <a:endCxn id="25" idx="6"/>
+          </p:cNvCxnSpPr>
+          <p:nvPr/>
+        </p:nvCxnSpPr>
+        <p:spPr>
+          <a:xfrm rot="10800000" flipH="1" flipV="1">
+            <a:off x="1791066" y="334924"/>
+            <a:ext cx="46720" cy="1981574"/>
+          </a:xfrm>
+          <a:prstGeom prst="bentConnector3">
+            <a:avLst>
+              <a:gd name="adj1" fmla="val -299015"/>
+            </a:avLst>
+          </a:prstGeom>
+          <a:ln w="12700">
+            <a:solidFill>
+              <a:schemeClr val="tx1"/>
+            </a:solidFill>
+            <a:prstDash val="dash"/>
+          </a:ln>
+        </p:spPr>
+        <p:style>
+          <a:lnRef idx="1">
+            <a:schemeClr val="accent1"/>
+          </a:lnRef>
+          <a:fillRef idx="0">
+            <a:schemeClr val="accent1"/>
+          </a:fillRef>
+          <a:effectRef idx="0">
+            <a:schemeClr val="accent1"/>
+          </a:effectRef>
+          <a:fontRef idx="minor">
+            <a:schemeClr val="tx1"/>
+          </a:fontRef>
+        </p:style>
+      </p:cxnSp>
+      <p:cxnSp>
+        <p:nvCxnSpPr>
+          <p:cNvPr id="76" name="Conector: angular 75">
+            <a:extLst>
+              <a:ext uri="{FF2B5EF4-FFF2-40B4-BE49-F238E27FC236}">
+                <a16:creationId xmlns:a16="http://schemas.microsoft.com/office/drawing/2014/main" id="{FEBAE116-1E4E-F098-FCCE-3E36F9319901}"/>
+              </a:ext>
+            </a:extLst>
+          </p:cNvPr>
+          <p:cNvCxnSpPr>
+            <a:cxnSpLocks/>
+            <a:stCxn id="9" idx="6"/>
+            <a:endCxn id="52" idx="6"/>
+          </p:cNvCxnSpPr>
+          <p:nvPr/>
+        </p:nvCxnSpPr>
+        <p:spPr>
+          <a:xfrm>
+            <a:off x="1396625" y="563037"/>
+            <a:ext cx="435060" cy="2018471"/>
+          </a:xfrm>
+          <a:prstGeom prst="bentConnector3">
+            <a:avLst>
+              <a:gd name="adj1" fmla="val 20809"/>
+            </a:avLst>
+          </a:prstGeom>
+          <a:ln w="12700">
+            <a:solidFill>
+              <a:schemeClr val="tx1"/>
+            </a:solidFill>
+            <a:prstDash val="dash"/>
+          </a:ln>
+        </p:spPr>
+        <p:style>
+          <a:lnRef idx="1">
+            <a:schemeClr val="accent1"/>
+          </a:lnRef>
+          <a:fillRef idx="0">
+            <a:schemeClr val="accent1"/>
+          </a:fillRef>
+          <a:effectRef idx="0">
+            <a:schemeClr val="accent1"/>
+          </a:effectRef>
+          <a:fontRef idx="minor">
+            <a:schemeClr val="tx1"/>
+          </a:fontRef>
+        </p:style>
+      </p:cxnSp>
     </p:spTree>
     <p:extLst>
       <p:ext uri="{BB962C8B-B14F-4D97-AF65-F5344CB8AC3E}">
@@ -16913,4 +19982,299 @@
     </a:ext>
   </a:extLst>
 </a:theme>
+</file>
+
+<file path=ppt/theme/theme2.xml><?xml version="1.0" encoding="utf-8"?>
+<a:theme xmlns:a="http://schemas.openxmlformats.org/drawingml/2006/main" name="Tema de Office">
+  <a:themeElements>
+    <a:clrScheme name="Office">
+      <a:dk1>
+        <a:sysClr val="windowText" lastClr="000000"/>
+      </a:dk1>
+      <a:lt1>
+        <a:sysClr val="window" lastClr="FFFFFF"/>
+      </a:lt1>
+      <a:dk2>
+        <a:srgbClr val="44546A"/>
+      </a:dk2>
+      <a:lt2>
+        <a:srgbClr val="E7E6E6"/>
+      </a:lt2>
+      <a:accent1>
+        <a:srgbClr val="4472C4"/>
+      </a:accent1>
+      <a:accent2>
+        <a:srgbClr val="ED7D31"/>
+      </a:accent2>
+      <a:accent3>
+        <a:srgbClr val="A5A5A5"/>
+      </a:accent3>
+      <a:accent4>
+        <a:srgbClr val="FFC000"/>
+      </a:accent4>
+      <a:accent5>
+        <a:srgbClr val="5B9BD5"/>
+      </a:accent5>
+      <a:accent6>
+        <a:srgbClr val="70AD47"/>
+      </a:accent6>
+      <a:hlink>
+        <a:srgbClr val="0563C1"/>
+      </a:hlink>
+      <a:folHlink>
+        <a:srgbClr val="954F72"/>
+      </a:folHlink>
+    </a:clrScheme>
+    <a:fontScheme name="Office">
+      <a:majorFont>
+        <a:latin typeface="Calibri Light" panose="020F0302020204030204"/>
+        <a:ea typeface=""/>
+        <a:cs typeface=""/>
+        <a:font script="Jpan" typeface="游ゴシック Light"/>
+        <a:font script="Hang" typeface="맑은 고딕"/>
+        <a:font script="Hans" typeface="等线 Light"/>
+        <a:font script="Hant" typeface="新細明體"/>
+        <a:font script="Arab" typeface="Times New Roman"/>
+        <a:font script="Hebr" typeface="Times New Roman"/>
+        <a:font script="Thai" typeface="Angsana New"/>
+        <a:font script="Ethi" typeface="Nyala"/>
+        <a:font script="Beng" typeface="Vrinda"/>
+        <a:font script="Gujr" typeface="Shruti"/>
+        <a:font script="Khmr" typeface="MoolBoran"/>
+        <a:font script="Knda" typeface="Tunga"/>
+        <a:font script="Guru" typeface="Raavi"/>
+        <a:font script="Cans" typeface="Euphemia"/>
+        <a:font script="Cher" typeface="Plantagenet Cherokee"/>
+        <a:font script="Yiii" typeface="Microsoft Yi Baiti"/>
+        <a:font script="Tibt" typeface="Microsoft Himalaya"/>
+        <a:font script="Thaa" typeface="MV Boli"/>
+        <a:font script="Deva" typeface="Mangal"/>
+        <a:font script="Telu" typeface="Gautami"/>
+        <a:font script="Taml" typeface="Latha"/>
+        <a:font script="Syrc" typeface="Estrangelo Edessa"/>
+        <a:font script="Orya" typeface="Kalinga"/>
+        <a:font script="Mlym" typeface="Kartika"/>
+        <a:font script="Laoo" typeface="DokChampa"/>
+        <a:font script="Sinh" typeface="Iskoola Pota"/>
+        <a:font script="Mong" typeface="Mongolian Baiti"/>
+        <a:font script="Viet" typeface="Times New Roman"/>
+        <a:font script="Uigh" typeface="Microsoft Uighur"/>
+        <a:font script="Geor" typeface="Sylfaen"/>
+        <a:font script="Armn" typeface="Arial"/>
+        <a:font script="Bugi" typeface="Leelawadee UI"/>
+        <a:font script="Bopo" typeface="Microsoft JhengHei"/>
+        <a:font script="Java" typeface="Javanese Text"/>
+        <a:font script="Lisu" typeface="Segoe UI"/>
+        <a:font script="Mymr" typeface="Myanmar Text"/>
+        <a:font script="Nkoo" typeface="Ebrima"/>
+        <a:font script="Olck" typeface="Nirmala UI"/>
+        <a:font script="Osma" typeface="Ebrima"/>
+        <a:font script="Phag" typeface="Phagspa"/>
+        <a:font script="Syrn" typeface="Estrangelo Edessa"/>
+        <a:font script="Syrj" typeface="Estrangelo Edessa"/>
+        <a:font script="Syre" typeface="Estrangelo Edessa"/>
+        <a:font script="Sora" typeface="Nirmala UI"/>
+        <a:font script="Tale" typeface="Microsoft Tai Le"/>
+        <a:font script="Talu" typeface="Microsoft New Tai Lue"/>
+        <a:font script="Tfng" typeface="Ebrima"/>
+      </a:majorFont>
+      <a:minorFont>
+        <a:latin typeface="Calibri" panose="020F0502020204030204"/>
+        <a:ea typeface=""/>
+        <a:cs typeface=""/>
+        <a:font script="Jpan" typeface="游ゴシック"/>
+        <a:font script="Hang" typeface="맑은 고딕"/>
+        <a:font script="Hans" typeface="等线"/>
+        <a:font script="Hant" typeface="新細明體"/>
+        <a:font script="Arab" typeface="Arial"/>
+        <a:font script="Hebr" typeface="Arial"/>
+        <a:font script="Thai" typeface="Cordia New"/>
+        <a:font script="Ethi" typeface="Nyala"/>
+        <a:font script="Beng" typeface="Vrinda"/>
+        <a:font script="Gujr" typeface="Shruti"/>
+        <a:font script="Khmr" typeface="DaunPenh"/>
+        <a:font script="Knda" typeface="Tunga"/>
+        <a:font script="Guru" typeface="Raavi"/>
+        <a:font script="Cans" typeface="Euphemia"/>
+        <a:font script="Cher" typeface="Plantagenet Cherokee"/>
+        <a:font script="Yiii" typeface="Microsoft Yi Baiti"/>
+        <a:font script="Tibt" typeface="Microsoft Himalaya"/>
+        <a:font script="Thaa" typeface="MV Boli"/>
+        <a:font script="Deva" typeface="Mangal"/>
+        <a:font script="Telu" typeface="Gautami"/>
+        <a:font script="Taml" typeface="Latha"/>
+        <a:font script="Syrc" typeface="Estrangelo Edessa"/>
+        <a:font script="Orya" typeface="Kalinga"/>
+        <a:font script="Mlym" typeface="Kartika"/>
+        <a:font script="Laoo" typeface="DokChampa"/>
+        <a:font script="Sinh" typeface="Iskoola Pota"/>
+        <a:font script="Mong" typeface="Mongolian Baiti"/>
+        <a:font script="Viet" typeface="Arial"/>
+        <a:font script="Uigh" typeface="Microsoft Uighur"/>
+        <a:font script="Geor" typeface="Sylfaen"/>
+        <a:font script="Armn" typeface="Arial"/>
+        <a:font script="Bugi" typeface="Leelawadee UI"/>
+        <a:font script="Bopo" typeface="Microsoft JhengHei"/>
+        <a:font script="Java" typeface="Javanese Text"/>
+        <a:font script="Lisu" typeface="Segoe UI"/>
+        <a:font script="Mymr" typeface="Myanmar Text"/>
+        <a:font script="Nkoo" typeface="Ebrima"/>
+        <a:font script="Olck" typeface="Nirmala UI"/>
+        <a:font script="Osma" typeface="Ebrima"/>
+        <a:font script="Phag" typeface="Phagspa"/>
+        <a:font script="Syrn" typeface="Estrangelo Edessa"/>
+        <a:font script="Syrj" typeface="Estrangelo Edessa"/>
+        <a:font script="Syre" typeface="Estrangelo Edessa"/>
+        <a:font script="Sora" typeface="Nirmala UI"/>
+        <a:font script="Tale" typeface="Microsoft Tai Le"/>
+        <a:font script="Talu" typeface="Microsoft New Tai Lue"/>
+        <a:font script="Tfng" typeface="Ebrima"/>
+      </a:minorFont>
+    </a:fontScheme>
+    <a:fmtScheme name="Office">
+      <a:fillStyleLst>
+        <a:solidFill>
+          <a:schemeClr val="phClr"/>
+        </a:solidFill>
+        <a:gradFill rotWithShape="1">
+          <a:gsLst>
+            <a:gs pos="0">
+              <a:schemeClr val="phClr">
+                <a:lumMod val="110000"/>
+                <a:satMod val="105000"/>
+                <a:tint val="67000"/>
+              </a:schemeClr>
+            </a:gs>
+            <a:gs pos="50000">
+              <a:schemeClr val="phClr">
+                <a:lumMod val="105000"/>
+                <a:satMod val="103000"/>
+                <a:tint val="73000"/>
+              </a:schemeClr>
+            </a:gs>
+            <a:gs pos="100000">
+              <a:schemeClr val="phClr">
+                <a:lumMod val="105000"/>
+                <a:satMod val="109000"/>
+                <a:tint val="81000"/>
+              </a:schemeClr>
+            </a:gs>
+          </a:gsLst>
+          <a:lin ang="5400000" scaled="0"/>
+        </a:gradFill>
+        <a:gradFill rotWithShape="1">
+          <a:gsLst>
+            <a:gs pos="0">
+              <a:schemeClr val="phClr">
+                <a:satMod val="103000"/>
+                <a:lumMod val="102000"/>
+                <a:tint val="94000"/>
+              </a:schemeClr>
+            </a:gs>
+            <a:gs pos="50000">
+              <a:schemeClr val="phClr">
+                <a:satMod val="110000"/>
+                <a:lumMod val="100000"/>
+                <a:shade val="100000"/>
+              </a:schemeClr>
+            </a:gs>
+            <a:gs pos="100000">
+              <a:schemeClr val="phClr">
+                <a:lumMod val="99000"/>
+                <a:satMod val="120000"/>
+                <a:shade val="78000"/>
+              </a:schemeClr>
+            </a:gs>
+          </a:gsLst>
+          <a:lin ang="5400000" scaled="0"/>
+        </a:gradFill>
+      </a:fillStyleLst>
+      <a:lnStyleLst>
+        <a:ln w="6350" cap="flat" cmpd="sng" algn="ctr">
+          <a:solidFill>
+            <a:schemeClr val="phClr"/>
+          </a:solidFill>
+          <a:prstDash val="solid"/>
+          <a:miter lim="800000"/>
+        </a:ln>
+        <a:ln w="12700" cap="flat" cmpd="sng" algn="ctr">
+          <a:solidFill>
+            <a:schemeClr val="phClr"/>
+          </a:solidFill>
+          <a:prstDash val="solid"/>
+          <a:miter lim="800000"/>
+        </a:ln>
+        <a:ln w="19050" cap="flat" cmpd="sng" algn="ctr">
+          <a:solidFill>
+            <a:schemeClr val="phClr"/>
+          </a:solidFill>
+          <a:prstDash val="solid"/>
+          <a:miter lim="800000"/>
+        </a:ln>
+      </a:lnStyleLst>
+      <a:effectStyleLst>
+        <a:effectStyle>
+          <a:effectLst/>
+        </a:effectStyle>
+        <a:effectStyle>
+          <a:effectLst/>
+        </a:effectStyle>
+        <a:effectStyle>
+          <a:effectLst>
+            <a:outerShdw blurRad="57150" dist="19050" dir="5400000" algn="ctr" rotWithShape="0">
+              <a:srgbClr val="000000">
+                <a:alpha val="63000"/>
+              </a:srgbClr>
+            </a:outerShdw>
+          </a:effectLst>
+        </a:effectStyle>
+      </a:effectStyleLst>
+      <a:bgFillStyleLst>
+        <a:solidFill>
+          <a:schemeClr val="phClr"/>
+        </a:solidFill>
+        <a:solidFill>
+          <a:schemeClr val="phClr">
+            <a:tint val="95000"/>
+            <a:satMod val="170000"/>
+          </a:schemeClr>
+        </a:solidFill>
+        <a:gradFill rotWithShape="1">
+          <a:gsLst>
+            <a:gs pos="0">
+              <a:schemeClr val="phClr">
+                <a:tint val="93000"/>
+                <a:satMod val="150000"/>
+                <a:shade val="98000"/>
+                <a:lumMod val="102000"/>
+              </a:schemeClr>
+            </a:gs>
+            <a:gs pos="50000">
+              <a:schemeClr val="phClr">
+                <a:tint val="98000"/>
+                <a:satMod val="130000"/>
+                <a:shade val="90000"/>
+                <a:lumMod val="103000"/>
+              </a:schemeClr>
+            </a:gs>
+            <a:gs pos="100000">
+              <a:schemeClr val="phClr">
+                <a:shade val="63000"/>
+                <a:satMod val="120000"/>
+              </a:schemeClr>
+            </a:gs>
+          </a:gsLst>
+          <a:lin ang="5400000" scaled="0"/>
+        </a:gradFill>
+      </a:bgFillStyleLst>
+    </a:fmtScheme>
+  </a:themeElements>
+  <a:objectDefaults/>
+  <a:extraClrSchemeLst/>
+  <a:extLst>
+    <a:ext uri="{05A4C25C-085E-4340-85A3-A5531E510DB2}">
+      <thm15:themeFamily xmlns:thm15="http://schemas.microsoft.com/office/thememl/2012/main" name="Office Theme" id="{62F939B6-93AF-4DB8-9C6B-D6C7DFDC589F}" vid="{4A3C46E8-61CC-4603-A589-7422A47A8E4A}"/>
+    </a:ext>
+  </a:extLst>
+</a:theme>
 </file>